--- a/Sprint Demo 2.pptx
+++ b/Sprint Demo 2.pptx
@@ -18,23 +18,24 @@
     <p:sldId id="263" r:id="rId13"/>
     <p:sldId id="264" r:id="rId14"/>
     <p:sldId id="265" r:id="rId15"/>
+    <p:sldId id="266" r:id="rId16"/>
   </p:sldIdLst>
   <p:sldSz cy="5143500" cx="9144000"/>
   <p:notesSz cx="6858000" cy="9144000"/>
   <p:embeddedFontLst>
     <p:embeddedFont>
       <p:font typeface="Roboto"/>
-      <p:regular r:id="rId16"/>
-      <p:bold r:id="rId17"/>
-      <p:italic r:id="rId18"/>
-      <p:boldItalic r:id="rId19"/>
+      <p:regular r:id="rId17"/>
+      <p:bold r:id="rId18"/>
+      <p:italic r:id="rId19"/>
+      <p:boldItalic r:id="rId20"/>
     </p:embeddedFont>
     <p:embeddedFont>
       <p:font typeface="Merriweather"/>
-      <p:regular r:id="rId20"/>
-      <p:bold r:id="rId21"/>
-      <p:italic r:id="rId22"/>
-      <p:boldItalic r:id="rId23"/>
+      <p:regular r:id="rId21"/>
+      <p:bold r:id="rId22"/>
+      <p:italic r:id="rId23"/>
+      <p:boldItalic r:id="rId24"/>
     </p:embeddedFont>
   </p:embeddedFontLst>
   <p:defaultTextStyle>
@@ -815,7 +816,7 @@
   <p:cSld>
     <p:spTree>
       <p:nvGrpSpPr>
-        <p:cNvPr id="120" name="Shape 120"/>
+        <p:cNvPr id="119" name="Shape 119"/>
         <p:cNvGrpSpPr/>
         <p:nvPr/>
       </p:nvGrpSpPr>
@@ -829,7 +830,7 @@
       </p:grpSpPr>
       <p:sp>
         <p:nvSpPr>
-          <p:cNvPr id="121" name="Google Shape;121;g293d5be4744_0_30:notes"/>
+          <p:cNvPr id="120" name="Google Shape;120;g293d5be4744_0_25:notes"/>
           <p:cNvSpPr/>
           <p:nvPr>
             <p:ph idx="2" type="sldImg"/>
@@ -864,7 +865,106 @@
       </p:sp>
       <p:sp>
         <p:nvSpPr>
-          <p:cNvPr id="122" name="Google Shape;122;g293d5be4744_0_30:notes"/>
+          <p:cNvPr id="121" name="Google Shape;121;g293d5be4744_0_25:notes"/>
+          <p:cNvSpPr txBox="1"/>
+          <p:nvPr>
+            <p:ph idx="1" type="body"/>
+          </p:nvPr>
+        </p:nvSpPr>
+        <p:spPr>
+          <a:xfrm>
+            <a:off x="685800" y="4343400"/>
+            <a:ext cx="5486400" cy="4114800"/>
+          </a:xfrm>
+          <a:prstGeom prst="rect">
+            <a:avLst/>
+          </a:prstGeom>
+        </p:spPr>
+        <p:txBody>
+          <a:bodyPr anchorCtr="0" anchor="t" bIns="91425" lIns="91425" spcFirstLastPara="1" rIns="91425" wrap="square" tIns="91425">
+            <a:noAutofit/>
+          </a:bodyPr>
+          <a:lstStyle/>
+          <a:p>
+            <a:pPr indent="0" lvl="0" marL="0" rtl="0" algn="l">
+              <a:spcBef>
+                <a:spcPts val="0"/>
+              </a:spcBef>
+              <a:spcAft>
+                <a:spcPts val="0"/>
+              </a:spcAft>
+              <a:buNone/>
+            </a:pPr>
+            <a:r>
+              <a:t/>
+            </a:r>
+            <a:endParaRPr/>
+          </a:p>
+        </p:txBody>
+      </p:sp>
+    </p:spTree>
+  </p:cSld>
+  <p:clrMapOvr>
+    <a:masterClrMapping/>
+  </p:clrMapOvr>
+</p:notes>
+</file>
+
+<file path=ppt/notesSlides/notesSlide11.xml><?xml version="1.0" encoding="utf-8"?>
+<p:notes xmlns:a="http://schemas.openxmlformats.org/drawingml/2006/main" xmlns:r="http://schemas.openxmlformats.org/officeDocument/2006/relationships" xmlns:mc="http://schemas.openxmlformats.org/markup-compatibility/2006" xmlns:mv="urn:schemas-microsoft-com:mac:vml" xmlns:p="http://schemas.openxmlformats.org/presentationml/2006/main" xmlns:c="http://schemas.openxmlformats.org/drawingml/2006/chart" xmlns:dgm="http://schemas.openxmlformats.org/drawingml/2006/diagram" xmlns:o="urn:schemas-microsoft-com:office:office" xmlns:v="urn:schemas-microsoft-com:vml" xmlns:pvml="urn:schemas-microsoft-com:office:powerpoint" xmlns:com="http://schemas.openxmlformats.org/drawingml/2006/compatibility" xmlns:p14="http://schemas.microsoft.com/office/powerpoint/2010/main" xmlns:p15="http://schemas.microsoft.com/office/powerpoint/2012/main" xmlns:ahyp="http://schemas.microsoft.com/office/drawing/2018/hyperlinkcolor" showMasterPhAnim="0" showMasterSp="0">
+  <p:cSld>
+    <p:spTree>
+      <p:nvGrpSpPr>
+        <p:cNvPr id="126" name="Shape 126"/>
+        <p:cNvGrpSpPr/>
+        <p:nvPr/>
+      </p:nvGrpSpPr>
+      <p:grpSpPr>
+        <a:xfrm>
+          <a:off x="0" y="0"/>
+          <a:ext cx="0" cy="0"/>
+          <a:chOff x="0" y="0"/>
+          <a:chExt cx="0" cy="0"/>
+        </a:xfrm>
+      </p:grpSpPr>
+      <p:sp>
+        <p:nvSpPr>
+          <p:cNvPr id="127" name="Google Shape;127;g293d5be4744_0_30:notes"/>
+          <p:cNvSpPr/>
+          <p:nvPr>
+            <p:ph idx="2" type="sldImg"/>
+          </p:nvPr>
+        </p:nvSpPr>
+        <p:spPr>
+          <a:xfrm>
+            <a:off x="381300" y="685800"/>
+            <a:ext cx="6096000" cy="3429000"/>
+          </a:xfrm>
+          <a:custGeom>
+            <a:rect b="b" l="l" r="r" t="t"/>
+            <a:pathLst>
+              <a:path extrusionOk="0" h="120000" w="120000">
+                <a:moveTo>
+                  <a:pt x="0" y="0"/>
+                </a:moveTo>
+                <a:lnTo>
+                  <a:pt x="120000" y="0"/>
+                </a:lnTo>
+                <a:lnTo>
+                  <a:pt x="120000" y="120000"/>
+                </a:lnTo>
+                <a:lnTo>
+                  <a:pt x="0" y="120000"/>
+                </a:lnTo>
+                <a:close/>
+              </a:path>
+            </a:pathLst>
+          </a:custGeom>
+        </p:spPr>
+      </p:sp>
+      <p:sp>
+        <p:nvSpPr>
+          <p:cNvPr id="128" name="Google Shape;128;g293d5be4744_0_30:notes"/>
           <p:cNvSpPr txBox="1"/>
           <p:nvPr>
             <p:ph idx="1" type="body"/>
@@ -1027,7 +1127,7 @@
       </p:grpSpPr>
       <p:sp>
         <p:nvSpPr>
-          <p:cNvPr id="73" name="Google Shape;73;g293d5be4744_0_10:notes"/>
+          <p:cNvPr id="73" name="Google Shape;73;g1ea7a57bd98_0_0:notes"/>
           <p:cNvSpPr/>
           <p:nvPr>
             <p:ph idx="2" type="sldImg"/>
@@ -1062,7 +1162,7 @@
       </p:sp>
       <p:sp>
         <p:nvSpPr>
-          <p:cNvPr id="74" name="Google Shape;74;g293d5be4744_0_10:notes"/>
+          <p:cNvPr id="74" name="Google Shape;74;g1ea7a57bd98_0_0:notes"/>
           <p:cNvSpPr txBox="1"/>
           <p:nvPr>
             <p:ph idx="1" type="body"/>
@@ -1112,7 +1212,7 @@
   <p:cSld>
     <p:spTree>
       <p:nvGrpSpPr>
-        <p:cNvPr id="79" name="Shape 79"/>
+        <p:cNvPr id="78" name="Shape 78"/>
         <p:cNvGrpSpPr/>
         <p:nvPr/>
       </p:nvGrpSpPr>
@@ -1126,7 +1226,7 @@
       </p:grpSpPr>
       <p:sp>
         <p:nvSpPr>
-          <p:cNvPr id="80" name="Google Shape;80;g1ea6b9d8997_5_139:notes"/>
+          <p:cNvPr id="79" name="Google Shape;79;g293d5be4744_0_10:notes"/>
           <p:cNvSpPr/>
           <p:nvPr>
             <p:ph idx="2" type="sldImg"/>
@@ -1161,7 +1261,7 @@
       </p:sp>
       <p:sp>
         <p:nvSpPr>
-          <p:cNvPr id="81" name="Google Shape;81;g1ea6b9d8997_5_139:notes"/>
+          <p:cNvPr id="80" name="Google Shape;80;g293d5be4744_0_10:notes"/>
           <p:cNvSpPr txBox="1"/>
           <p:nvPr>
             <p:ph idx="1" type="body"/>
@@ -1225,7 +1325,7 @@
       </p:grpSpPr>
       <p:sp>
         <p:nvSpPr>
-          <p:cNvPr id="86" name="Google Shape;86;g1ea6b9d8997_5_143:notes"/>
+          <p:cNvPr id="86" name="Google Shape;86;g1ea6b9d8997_5_139:notes"/>
           <p:cNvSpPr/>
           <p:nvPr>
             <p:ph idx="2" type="sldImg"/>
@@ -1260,7 +1360,7 @@
       </p:sp>
       <p:sp>
         <p:nvSpPr>
-          <p:cNvPr id="87" name="Google Shape;87;g1ea6b9d8997_5_143:notes"/>
+          <p:cNvPr id="87" name="Google Shape;87;g1ea6b9d8997_5_139:notes"/>
           <p:cNvSpPr txBox="1"/>
           <p:nvPr>
             <p:ph idx="1" type="body"/>
@@ -1310,7 +1410,7 @@
   <p:cSld>
     <p:spTree>
       <p:nvGrpSpPr>
-        <p:cNvPr id="93" name="Shape 93"/>
+        <p:cNvPr id="91" name="Shape 91"/>
         <p:cNvGrpSpPr/>
         <p:nvPr/>
       </p:nvGrpSpPr>
@@ -1324,7 +1424,7 @@
       </p:grpSpPr>
       <p:sp>
         <p:nvSpPr>
-          <p:cNvPr id="94" name="Google Shape;94;g1ea6b9d8997_5_134:notes"/>
+          <p:cNvPr id="92" name="Google Shape;92;g1ea6b9d8997_5_143:notes"/>
           <p:cNvSpPr/>
           <p:nvPr>
             <p:ph idx="2" type="sldImg"/>
@@ -1359,7 +1459,7 @@
       </p:sp>
       <p:sp>
         <p:nvSpPr>
-          <p:cNvPr id="95" name="Google Shape;95;g1ea6b9d8997_5_134:notes"/>
+          <p:cNvPr id="93" name="Google Shape;93;g1ea6b9d8997_5_143:notes"/>
           <p:cNvSpPr txBox="1"/>
           <p:nvPr>
             <p:ph idx="1" type="body"/>
@@ -1409,7 +1509,7 @@
   <p:cSld>
     <p:spTree>
       <p:nvGrpSpPr>
-        <p:cNvPr id="100" name="Shape 100"/>
+        <p:cNvPr id="99" name="Shape 99"/>
         <p:cNvGrpSpPr/>
         <p:nvPr/>
       </p:nvGrpSpPr>
@@ -1423,7 +1523,7 @@
       </p:grpSpPr>
       <p:sp>
         <p:nvSpPr>
-          <p:cNvPr id="101" name="Google Shape;101;g293d5be4744_0_20:notes"/>
+          <p:cNvPr id="100" name="Google Shape;100;g1ea6b9d8997_5_134:notes"/>
           <p:cNvSpPr/>
           <p:nvPr>
             <p:ph idx="2" type="sldImg"/>
@@ -1458,7 +1558,7 @@
       </p:sp>
       <p:sp>
         <p:nvSpPr>
-          <p:cNvPr id="102" name="Google Shape;102;g293d5be4744_0_20:notes"/>
+          <p:cNvPr id="101" name="Google Shape;101;g1ea6b9d8997_5_134:notes"/>
           <p:cNvSpPr txBox="1"/>
           <p:nvPr>
             <p:ph idx="1" type="body"/>
@@ -1508,7 +1608,7 @@
   <p:cSld>
     <p:spTree>
       <p:nvGrpSpPr>
-        <p:cNvPr id="107" name="Shape 107"/>
+        <p:cNvPr id="106" name="Shape 106"/>
         <p:cNvGrpSpPr/>
         <p:nvPr/>
       </p:nvGrpSpPr>
@@ -1522,7 +1622,7 @@
       </p:grpSpPr>
       <p:sp>
         <p:nvSpPr>
-          <p:cNvPr id="108" name="Google Shape;108;g293d5be4744_0_15:notes"/>
+          <p:cNvPr id="107" name="Google Shape;107;g293d5be4744_0_20:notes"/>
           <p:cNvSpPr/>
           <p:nvPr>
             <p:ph idx="2" type="sldImg"/>
@@ -1557,7 +1657,7 @@
       </p:sp>
       <p:sp>
         <p:nvSpPr>
-          <p:cNvPr id="109" name="Google Shape;109;g293d5be4744_0_15:notes"/>
+          <p:cNvPr id="108" name="Google Shape;108;g293d5be4744_0_20:notes"/>
           <p:cNvSpPr txBox="1"/>
           <p:nvPr>
             <p:ph idx="1" type="body"/>
@@ -1621,7 +1721,7 @@
       </p:grpSpPr>
       <p:sp>
         <p:nvSpPr>
-          <p:cNvPr id="114" name="Google Shape;114;g293d5be4744_0_25:notes"/>
+          <p:cNvPr id="114" name="Google Shape;114;g293d5be4744_0_15:notes"/>
           <p:cNvSpPr/>
           <p:nvPr>
             <p:ph idx="2" type="sldImg"/>
@@ -1656,7 +1756,7 @@
       </p:sp>
       <p:sp>
         <p:nvSpPr>
-          <p:cNvPr id="115" name="Google Shape;115;g293d5be4744_0_25:notes"/>
+          <p:cNvPr id="115" name="Google Shape;115;g293d5be4744_0_15:notes"/>
           <p:cNvSpPr txBox="1"/>
           <p:nvPr>
             <p:ph idx="1" type="body"/>
@@ -7872,7 +7972,7 @@
   <p:cSld>
     <p:spTree>
       <p:nvGrpSpPr>
-        <p:cNvPr id="123" name="Shape 123"/>
+        <p:cNvPr id="122" name="Shape 122"/>
         <p:cNvGrpSpPr/>
         <p:nvPr/>
       </p:nvGrpSpPr>
@@ -7884,6 +7984,323 @@
           <a:chExt cx="0" cy="0"/>
         </a:xfrm>
       </p:grpSpPr>
+      <p:sp>
+        <p:nvSpPr>
+          <p:cNvPr id="123" name="Google Shape;123;p22"/>
+          <p:cNvSpPr txBox="1"/>
+          <p:nvPr>
+            <p:ph idx="1" type="body"/>
+          </p:nvPr>
+        </p:nvSpPr>
+        <p:spPr>
+          <a:xfrm>
+            <a:off x="4644675" y="500925"/>
+            <a:ext cx="4166400" cy="4098600"/>
+          </a:xfrm>
+          <a:prstGeom prst="rect">
+            <a:avLst/>
+          </a:prstGeom>
+        </p:spPr>
+        <p:txBody>
+          <a:bodyPr anchorCtr="0" anchor="t" bIns="91425" lIns="91425" spcFirstLastPara="1" rIns="91425" wrap="square" tIns="91425">
+            <a:normAutofit lnSpcReduction="20000"/>
+          </a:bodyPr>
+          <a:lstStyle/>
+          <a:p>
+            <a:pPr indent="0" lvl="0" marL="0" rtl="0" algn="l">
+              <a:spcBef>
+                <a:spcPts val="0"/>
+              </a:spcBef>
+              <a:spcAft>
+                <a:spcPts val="0"/>
+              </a:spcAft>
+              <a:buNone/>
+            </a:pPr>
+            <a:r>
+              <a:rPr b="1" lang="en">
+                <a:solidFill>
+                  <a:srgbClr val="000000"/>
+                </a:solidFill>
+              </a:rPr>
+              <a:t>Review Previous Sprint</a:t>
+            </a:r>
+            <a:endParaRPr b="1">
+              <a:solidFill>
+                <a:srgbClr val="000000"/>
+              </a:solidFill>
+            </a:endParaRPr>
+          </a:p>
+          <a:p>
+            <a:pPr indent="-317500" lvl="0" marL="457200" rtl="0" algn="l">
+              <a:spcBef>
+                <a:spcPts val="1200"/>
+              </a:spcBef>
+              <a:spcAft>
+                <a:spcPts val="0"/>
+              </a:spcAft>
+              <a:buClr>
+                <a:srgbClr val="000000"/>
+              </a:buClr>
+              <a:buSzPts val="1400"/>
+              <a:buChar char="-"/>
+            </a:pPr>
+            <a:r>
+              <a:rPr lang="en" sz="1400">
+                <a:solidFill>
+                  <a:srgbClr val="000000"/>
+                </a:solidFill>
+              </a:rPr>
+              <a:t>What worked well? What didn’t work well?</a:t>
+            </a:r>
+            <a:endParaRPr sz="1400">
+              <a:solidFill>
+                <a:srgbClr val="000000"/>
+              </a:solidFill>
+            </a:endParaRPr>
+          </a:p>
+          <a:p>
+            <a:pPr indent="-317500" lvl="0" marL="457200" rtl="0" algn="l">
+              <a:spcBef>
+                <a:spcPts val="0"/>
+              </a:spcBef>
+              <a:spcAft>
+                <a:spcPts val="0"/>
+              </a:spcAft>
+              <a:buClr>
+                <a:srgbClr val="000000"/>
+              </a:buClr>
+              <a:buSzPts val="1400"/>
+              <a:buChar char="-"/>
+            </a:pPr>
+            <a:r>
+              <a:rPr lang="en" sz="1400">
+                <a:solidFill>
+                  <a:srgbClr val="000000"/>
+                </a:solidFill>
+              </a:rPr>
+              <a:t>Process improvements?  </a:t>
+            </a:r>
+            <a:endParaRPr sz="1400">
+              <a:solidFill>
+                <a:srgbClr val="000000"/>
+              </a:solidFill>
+            </a:endParaRPr>
+          </a:p>
+          <a:p>
+            <a:pPr indent="-317500" lvl="0" marL="457200" rtl="0" algn="l">
+              <a:spcBef>
+                <a:spcPts val="0"/>
+              </a:spcBef>
+              <a:spcAft>
+                <a:spcPts val="0"/>
+              </a:spcAft>
+              <a:buClr>
+                <a:srgbClr val="000000"/>
+              </a:buClr>
+              <a:buSzPts val="1400"/>
+              <a:buChar char="-"/>
+            </a:pPr>
+            <a:r>
+              <a:rPr lang="en" sz="1400">
+                <a:solidFill>
+                  <a:srgbClr val="000000"/>
+                </a:solidFill>
+              </a:rPr>
+              <a:t>System Design improvements?</a:t>
+            </a:r>
+            <a:endParaRPr sz="1400">
+              <a:solidFill>
+                <a:srgbClr val="000000"/>
+              </a:solidFill>
+            </a:endParaRPr>
+          </a:p>
+          <a:p>
+            <a:pPr indent="0" lvl="0" marL="0" rtl="0" algn="l">
+              <a:spcBef>
+                <a:spcPts val="1200"/>
+              </a:spcBef>
+              <a:spcAft>
+                <a:spcPts val="0"/>
+              </a:spcAft>
+              <a:buNone/>
+            </a:pPr>
+            <a:r>
+              <a:rPr b="1" lang="en">
+                <a:solidFill>
+                  <a:srgbClr val="000000"/>
+                </a:solidFill>
+              </a:rPr>
+              <a:t>Connect Website front end to the Script Backend using digital ocean droplets</a:t>
+            </a:r>
+            <a:endParaRPr b="1">
+              <a:solidFill>
+                <a:srgbClr val="000000"/>
+              </a:solidFill>
+            </a:endParaRPr>
+          </a:p>
+          <a:p>
+            <a:pPr indent="0" lvl="0" marL="0" rtl="0" algn="l">
+              <a:spcBef>
+                <a:spcPts val="1200"/>
+              </a:spcBef>
+              <a:spcAft>
+                <a:spcPts val="0"/>
+              </a:spcAft>
+              <a:buNone/>
+            </a:pPr>
+            <a:r>
+              <a:rPr b="1" lang="en">
+                <a:solidFill>
+                  <a:srgbClr val="000000"/>
+                </a:solidFill>
+              </a:rPr>
+              <a:t>Touch Up Website</a:t>
+            </a:r>
+            <a:endParaRPr b="1">
+              <a:solidFill>
+                <a:srgbClr val="000000"/>
+              </a:solidFill>
+            </a:endParaRPr>
+          </a:p>
+          <a:p>
+            <a:pPr indent="0" lvl="0" marL="0" rtl="0" algn="l">
+              <a:spcBef>
+                <a:spcPts val="1200"/>
+              </a:spcBef>
+              <a:spcAft>
+                <a:spcPts val="0"/>
+              </a:spcAft>
+              <a:buNone/>
+            </a:pPr>
+            <a:r>
+              <a:rPr b="1" lang="en">
+                <a:solidFill>
+                  <a:srgbClr val="000000"/>
+                </a:solidFill>
+              </a:rPr>
+              <a:t>Refine Algorithm </a:t>
+            </a:r>
+            <a:endParaRPr b="1">
+              <a:solidFill>
+                <a:srgbClr val="000000"/>
+              </a:solidFill>
+            </a:endParaRPr>
+          </a:p>
+          <a:p>
+            <a:pPr indent="-317500" lvl="0" marL="457200" rtl="0" algn="l">
+              <a:spcBef>
+                <a:spcPts val="1200"/>
+              </a:spcBef>
+              <a:spcAft>
+                <a:spcPts val="0"/>
+              </a:spcAft>
+              <a:buClr>
+                <a:srgbClr val="000000"/>
+              </a:buClr>
+              <a:buSzPts val="1400"/>
+              <a:buChar char="-"/>
+            </a:pPr>
+            <a:r>
+              <a:rPr lang="en" sz="1400">
+                <a:solidFill>
+                  <a:srgbClr val="000000"/>
+                </a:solidFill>
+              </a:rPr>
+              <a:t>Exploitation</a:t>
+            </a:r>
+            <a:endParaRPr sz="1400">
+              <a:solidFill>
+                <a:srgbClr val="000000"/>
+              </a:solidFill>
+            </a:endParaRPr>
+          </a:p>
+          <a:p>
+            <a:pPr indent="-317500" lvl="0" marL="457200" rtl="0" algn="l">
+              <a:spcBef>
+                <a:spcPts val="0"/>
+              </a:spcBef>
+              <a:spcAft>
+                <a:spcPts val="0"/>
+              </a:spcAft>
+              <a:buClr>
+                <a:srgbClr val="000000"/>
+              </a:buClr>
+              <a:buSzPts val="1400"/>
+              <a:buChar char="-"/>
+            </a:pPr>
+            <a:r>
+              <a:rPr lang="en" sz="1400">
+                <a:solidFill>
+                  <a:srgbClr val="000000"/>
+                </a:solidFill>
+              </a:rPr>
+              <a:t>New modules</a:t>
+            </a:r>
+            <a:endParaRPr sz="1400">
+              <a:solidFill>
+                <a:srgbClr val="000000"/>
+              </a:solidFill>
+            </a:endParaRPr>
+          </a:p>
+          <a:p>
+            <a:pPr indent="0" lvl="0" marL="0" rtl="0" algn="l">
+              <a:spcBef>
+                <a:spcPts val="1200"/>
+              </a:spcBef>
+              <a:spcAft>
+                <a:spcPts val="0"/>
+              </a:spcAft>
+              <a:buNone/>
+            </a:pPr>
+            <a:r>
+              <a:t/>
+            </a:r>
+            <a:endParaRPr>
+              <a:solidFill>
+                <a:srgbClr val="000000"/>
+              </a:solidFill>
+            </a:endParaRPr>
+          </a:p>
+          <a:p>
+            <a:pPr indent="0" lvl="0" marL="0" rtl="0" algn="l">
+              <a:spcBef>
+                <a:spcPts val="1200"/>
+              </a:spcBef>
+              <a:spcAft>
+                <a:spcPts val="0"/>
+              </a:spcAft>
+              <a:buNone/>
+            </a:pPr>
+            <a:r>
+              <a:t/>
+            </a:r>
+            <a:endParaRPr>
+              <a:solidFill>
+                <a:srgbClr val="000000"/>
+              </a:solidFill>
+            </a:endParaRPr>
+          </a:p>
+          <a:p>
+            <a:pPr indent="0" lvl="0" marL="0" rtl="0" algn="l">
+              <a:spcBef>
+                <a:spcPts val="1200"/>
+              </a:spcBef>
+              <a:spcAft>
+                <a:spcPts val="1200"/>
+              </a:spcAft>
+              <a:buNone/>
+            </a:pPr>
+            <a:r>
+              <a:t/>
+            </a:r>
+            <a:endParaRPr>
+              <a:solidFill>
+                <a:srgbClr val="000000"/>
+              </a:solidFill>
+            </a:endParaRPr>
+          </a:p>
+        </p:txBody>
+      </p:sp>
       <p:sp>
         <p:nvSpPr>
           <p:cNvPr id="124" name="Google Shape;124;p22"/>
@@ -7918,6 +8335,99 @@
             </a:pPr>
             <a:r>
               <a:rPr lang="en"/>
+              <a:t>What’s Next?</a:t>
+            </a:r>
+            <a:endParaRPr/>
+          </a:p>
+        </p:txBody>
+      </p:sp>
+      <p:pic>
+        <p:nvPicPr>
+          <p:cNvPr id="125" name="Google Shape;125;p22"/>
+          <p:cNvPicPr preferRelativeResize="0"/>
+          <p:nvPr/>
+        </p:nvPicPr>
+        <p:blipFill>
+          <a:blip r:embed="rId3">
+            <a:alphaModFix/>
+          </a:blip>
+          <a:stretch>
+            <a:fillRect/>
+          </a:stretch>
+        </p:blipFill>
+        <p:spPr>
+          <a:xfrm>
+            <a:off x="6291400" y="2049575"/>
+            <a:ext cx="2689200" cy="2689200"/>
+          </a:xfrm>
+          <a:prstGeom prst="rect">
+            <a:avLst/>
+          </a:prstGeom>
+          <a:noFill/>
+          <a:ln>
+            <a:noFill/>
+          </a:ln>
+        </p:spPr>
+      </p:pic>
+    </p:spTree>
+  </p:cSld>
+  <p:clrMapOvr>
+    <a:masterClrMapping/>
+  </p:clrMapOvr>
+</p:sld>
+</file>
+
+<file path=ppt/slides/slide11.xml><?xml version="1.0" encoding="utf-8"?>
+<p:sld xmlns:a="http://schemas.openxmlformats.org/drawingml/2006/main" xmlns:r="http://schemas.openxmlformats.org/officeDocument/2006/relationships" xmlns:mc="http://schemas.openxmlformats.org/markup-compatibility/2006" xmlns:mv="urn:schemas-microsoft-com:mac:vml" xmlns:p="http://schemas.openxmlformats.org/presentationml/2006/main" xmlns:c="http://schemas.openxmlformats.org/drawingml/2006/chart" xmlns:dgm="http://schemas.openxmlformats.org/drawingml/2006/diagram" xmlns:o="urn:schemas-microsoft-com:office:office" xmlns:v="urn:schemas-microsoft-com:vml" xmlns:pvml="urn:schemas-microsoft-com:office:powerpoint" xmlns:com="http://schemas.openxmlformats.org/drawingml/2006/compatibility" xmlns:p14="http://schemas.microsoft.com/office/powerpoint/2010/main" xmlns:p15="http://schemas.microsoft.com/office/powerpoint/2012/main" xmlns:ahyp="http://schemas.microsoft.com/office/drawing/2018/hyperlinkcolor">
+  <p:cSld>
+    <p:spTree>
+      <p:nvGrpSpPr>
+        <p:cNvPr id="129" name="Shape 129"/>
+        <p:cNvGrpSpPr/>
+        <p:nvPr/>
+      </p:nvGrpSpPr>
+      <p:grpSpPr>
+        <a:xfrm>
+          <a:off x="0" y="0"/>
+          <a:ext cx="0" cy="0"/>
+          <a:chOff x="0" y="0"/>
+          <a:chExt cx="0" cy="0"/>
+        </a:xfrm>
+      </p:grpSpPr>
+      <p:sp>
+        <p:nvSpPr>
+          <p:cNvPr id="130" name="Google Shape;130;p23"/>
+          <p:cNvSpPr txBox="1"/>
+          <p:nvPr>
+            <p:ph type="title"/>
+          </p:nvPr>
+        </p:nvSpPr>
+        <p:spPr>
+          <a:xfrm>
+            <a:off x="311725" y="500925"/>
+            <a:ext cx="3706500" cy="2508900"/>
+          </a:xfrm>
+          <a:prstGeom prst="rect">
+            <a:avLst/>
+          </a:prstGeom>
+        </p:spPr>
+        <p:txBody>
+          <a:bodyPr anchorCtr="0" anchor="t" bIns="91425" lIns="91425" spcFirstLastPara="1" rIns="91425" wrap="square" tIns="91425">
+            <a:normAutofit/>
+          </a:bodyPr>
+          <a:lstStyle/>
+          <a:p>
+            <a:pPr indent="0" lvl="0" marL="0" rtl="0" algn="l">
+              <a:spcBef>
+                <a:spcPts val="0"/>
+              </a:spcBef>
+              <a:spcAft>
+                <a:spcPts val="0"/>
+              </a:spcAft>
+              <a:buNone/>
+            </a:pPr>
+            <a:r>
+              <a:rPr lang="en"/>
               <a:t>Questions</a:t>
             </a:r>
             <a:endParaRPr/>
@@ -7926,7 +8436,7 @@
       </p:sp>
       <p:pic>
         <p:nvPicPr>
-          <p:cNvPr id="125" name="Google Shape;125;p22"/>
+          <p:cNvPr id="131" name="Google Shape;131;p23"/>
           <p:cNvPicPr preferRelativeResize="0"/>
           <p:nvPr/>
         </p:nvPicPr>
@@ -8361,6 +8871,205 @@
             </a:pPr>
             <a:r>
               <a:rPr lang="en"/>
+              <a:t>Team Assignments</a:t>
+            </a:r>
+            <a:endParaRPr/>
+          </a:p>
+        </p:txBody>
+      </p:sp>
+      <p:sp>
+        <p:nvSpPr>
+          <p:cNvPr id="77" name="Google Shape;77;p15"/>
+          <p:cNvSpPr txBox="1"/>
+          <p:nvPr>
+            <p:ph idx="1" type="body"/>
+          </p:nvPr>
+        </p:nvSpPr>
+        <p:spPr>
+          <a:xfrm>
+            <a:off x="4644675" y="500925"/>
+            <a:ext cx="4166400" cy="4098600"/>
+          </a:xfrm>
+          <a:prstGeom prst="rect">
+            <a:avLst/>
+          </a:prstGeom>
+        </p:spPr>
+        <p:txBody>
+          <a:bodyPr anchorCtr="0" anchor="t" bIns="91425" lIns="91425" spcFirstLastPara="1" rIns="91425" wrap="square" tIns="91425">
+            <a:normAutofit/>
+          </a:bodyPr>
+          <a:lstStyle/>
+          <a:p>
+            <a:pPr indent="0" lvl="0" marL="0" rtl="0" algn="l">
+              <a:spcBef>
+                <a:spcPts val="0"/>
+              </a:spcBef>
+              <a:spcAft>
+                <a:spcPts val="0"/>
+              </a:spcAft>
+              <a:buNone/>
+            </a:pPr>
+            <a:r>
+              <a:t/>
+            </a:r>
+            <a:endParaRPr/>
+          </a:p>
+          <a:p>
+            <a:pPr indent="0" lvl="0" marL="0" rtl="0" algn="l">
+              <a:spcBef>
+                <a:spcPts val="1200"/>
+              </a:spcBef>
+              <a:spcAft>
+                <a:spcPts val="0"/>
+              </a:spcAft>
+              <a:buNone/>
+            </a:pPr>
+            <a:r>
+              <a:t/>
+            </a:r>
+            <a:endParaRPr/>
+          </a:p>
+          <a:p>
+            <a:pPr indent="0" lvl="0" marL="0" rtl="0" algn="l">
+              <a:spcBef>
+                <a:spcPts val="1200"/>
+              </a:spcBef>
+              <a:spcAft>
+                <a:spcPts val="0"/>
+              </a:spcAft>
+              <a:buNone/>
+            </a:pPr>
+            <a:r>
+              <a:rPr lang="en"/>
+              <a:t>Michael: Documentation and AI</a:t>
+            </a:r>
+            <a:endParaRPr/>
+          </a:p>
+          <a:p>
+            <a:pPr indent="0" lvl="0" marL="0" rtl="0" algn="l">
+              <a:spcBef>
+                <a:spcPts val="1200"/>
+              </a:spcBef>
+              <a:spcAft>
+                <a:spcPts val="0"/>
+              </a:spcAft>
+              <a:buNone/>
+            </a:pPr>
+            <a:r>
+              <a:rPr lang="en"/>
+              <a:t>Caleb: Pentesting AI</a:t>
+            </a:r>
+            <a:endParaRPr/>
+          </a:p>
+          <a:p>
+            <a:pPr indent="0" lvl="0" marL="0" rtl="0" algn="l">
+              <a:spcBef>
+                <a:spcPts val="1200"/>
+              </a:spcBef>
+              <a:spcAft>
+                <a:spcPts val="0"/>
+              </a:spcAft>
+              <a:buNone/>
+            </a:pPr>
+            <a:r>
+              <a:rPr lang="en"/>
+              <a:t>Joshua: Documentation</a:t>
+            </a:r>
+            <a:endParaRPr/>
+          </a:p>
+          <a:p>
+            <a:pPr indent="0" lvl="0" marL="0" rtl="0" algn="l">
+              <a:spcBef>
+                <a:spcPts val="1200"/>
+              </a:spcBef>
+              <a:spcAft>
+                <a:spcPts val="0"/>
+              </a:spcAft>
+              <a:buNone/>
+            </a:pPr>
+            <a:r>
+              <a:rPr lang="en"/>
+              <a:t>Myles: Documentation</a:t>
+            </a:r>
+            <a:endParaRPr/>
+          </a:p>
+          <a:p>
+            <a:pPr indent="0" lvl="0" marL="0" rtl="0" algn="l">
+              <a:spcBef>
+                <a:spcPts val="1200"/>
+              </a:spcBef>
+              <a:spcAft>
+                <a:spcPts val="1200"/>
+              </a:spcAft>
+              <a:buNone/>
+            </a:pPr>
+            <a:r>
+              <a:rPr lang="en"/>
+              <a:t>Calla: Web and Cloud Development</a:t>
+            </a:r>
+            <a:endParaRPr/>
+          </a:p>
+        </p:txBody>
+      </p:sp>
+    </p:spTree>
+  </p:cSld>
+  <p:clrMapOvr>
+    <a:masterClrMapping/>
+  </p:clrMapOvr>
+</p:sld>
+</file>
+
+<file path=ppt/slides/slide4.xml><?xml version="1.0" encoding="utf-8"?>
+<p:sld xmlns:a="http://schemas.openxmlformats.org/drawingml/2006/main" xmlns:r="http://schemas.openxmlformats.org/officeDocument/2006/relationships" xmlns:mc="http://schemas.openxmlformats.org/markup-compatibility/2006" xmlns:mv="urn:schemas-microsoft-com:mac:vml" xmlns:p="http://schemas.openxmlformats.org/presentationml/2006/main" xmlns:c="http://schemas.openxmlformats.org/drawingml/2006/chart" xmlns:dgm="http://schemas.openxmlformats.org/drawingml/2006/diagram" xmlns:o="urn:schemas-microsoft-com:office:office" xmlns:v="urn:schemas-microsoft-com:vml" xmlns:pvml="urn:schemas-microsoft-com:office:powerpoint" xmlns:com="http://schemas.openxmlformats.org/drawingml/2006/compatibility" xmlns:p14="http://schemas.microsoft.com/office/powerpoint/2010/main" xmlns:p15="http://schemas.microsoft.com/office/powerpoint/2012/main" xmlns:ahyp="http://schemas.microsoft.com/office/drawing/2018/hyperlinkcolor">
+  <p:cSld>
+    <p:spTree>
+      <p:nvGrpSpPr>
+        <p:cNvPr id="81" name="Shape 81"/>
+        <p:cNvGrpSpPr/>
+        <p:nvPr/>
+      </p:nvGrpSpPr>
+      <p:grpSpPr>
+        <a:xfrm>
+          <a:off x="0" y="0"/>
+          <a:ext cx="0" cy="0"/>
+          <a:chOff x="0" y="0"/>
+          <a:chExt cx="0" cy="0"/>
+        </a:xfrm>
+      </p:grpSpPr>
+      <p:sp>
+        <p:nvSpPr>
+          <p:cNvPr id="82" name="Google Shape;82;p16"/>
+          <p:cNvSpPr txBox="1"/>
+          <p:nvPr>
+            <p:ph type="title"/>
+          </p:nvPr>
+        </p:nvSpPr>
+        <p:spPr>
+          <a:xfrm>
+            <a:off x="311725" y="500925"/>
+            <a:ext cx="3706500" cy="2508900"/>
+          </a:xfrm>
+          <a:prstGeom prst="rect">
+            <a:avLst/>
+          </a:prstGeom>
+        </p:spPr>
+        <p:txBody>
+          <a:bodyPr anchorCtr="0" anchor="t" bIns="91425" lIns="91425" spcFirstLastPara="1" rIns="91425" wrap="square" tIns="91425">
+            <a:normAutofit/>
+          </a:bodyPr>
+          <a:lstStyle/>
+          <a:p>
+            <a:pPr indent="0" lvl="0" marL="0" rtl="0" algn="l">
+              <a:spcBef>
+                <a:spcPts val="0"/>
+              </a:spcBef>
+              <a:spcAft>
+                <a:spcPts val="0"/>
+              </a:spcAft>
+              <a:buNone/>
+            </a:pPr>
+            <a:r>
+              <a:rPr lang="en"/>
               <a:t>So What was Completed?</a:t>
             </a:r>
             <a:endParaRPr/>
@@ -8369,7 +9078,7 @@
       </p:sp>
       <p:sp>
         <p:nvSpPr>
-          <p:cNvPr id="77" name="Google Shape;77;p15"/>
+          <p:cNvPr id="83" name="Google Shape;83;p16"/>
           <p:cNvSpPr txBox="1"/>
           <p:nvPr>
             <p:ph idx="1" type="body"/>
@@ -8611,7 +9320,7 @@
       </p:sp>
       <p:pic>
         <p:nvPicPr>
-          <p:cNvPr id="78" name="Google Shape;78;p15"/>
+          <p:cNvPr id="84" name="Google Shape;84;p16"/>
           <p:cNvPicPr preferRelativeResize="0"/>
           <p:nvPr/>
         </p:nvPicPr>
@@ -8627,99 +9336,6 @@
           <a:xfrm>
             <a:off x="7171200" y="203450"/>
             <a:ext cx="1550308" cy="2634150"/>
-          </a:xfrm>
-          <a:prstGeom prst="rect">
-            <a:avLst/>
-          </a:prstGeom>
-          <a:noFill/>
-          <a:ln>
-            <a:noFill/>
-          </a:ln>
-        </p:spPr>
-      </p:pic>
-    </p:spTree>
-  </p:cSld>
-  <p:clrMapOvr>
-    <a:masterClrMapping/>
-  </p:clrMapOvr>
-</p:sld>
-</file>
-
-<file path=ppt/slides/slide4.xml><?xml version="1.0" encoding="utf-8"?>
-<p:sld xmlns:a="http://schemas.openxmlformats.org/drawingml/2006/main" xmlns:r="http://schemas.openxmlformats.org/officeDocument/2006/relationships" xmlns:mc="http://schemas.openxmlformats.org/markup-compatibility/2006" xmlns:mv="urn:schemas-microsoft-com:mac:vml" xmlns:p="http://schemas.openxmlformats.org/presentationml/2006/main" xmlns:c="http://schemas.openxmlformats.org/drawingml/2006/chart" xmlns:dgm="http://schemas.openxmlformats.org/drawingml/2006/diagram" xmlns:o="urn:schemas-microsoft-com:office:office" xmlns:v="urn:schemas-microsoft-com:vml" xmlns:pvml="urn:schemas-microsoft-com:office:powerpoint" xmlns:com="http://schemas.openxmlformats.org/drawingml/2006/compatibility" xmlns:p14="http://schemas.microsoft.com/office/powerpoint/2010/main" xmlns:p15="http://schemas.microsoft.com/office/powerpoint/2012/main" xmlns:ahyp="http://schemas.microsoft.com/office/drawing/2018/hyperlinkcolor">
-  <p:cSld>
-    <p:spTree>
-      <p:nvGrpSpPr>
-        <p:cNvPr id="82" name="Shape 82"/>
-        <p:cNvGrpSpPr/>
-        <p:nvPr/>
-      </p:nvGrpSpPr>
-      <p:grpSpPr>
-        <a:xfrm>
-          <a:off x="0" y="0"/>
-          <a:ext cx="0" cy="0"/>
-          <a:chOff x="0" y="0"/>
-          <a:chExt cx="0" cy="0"/>
-        </a:xfrm>
-      </p:grpSpPr>
-      <p:sp>
-        <p:nvSpPr>
-          <p:cNvPr id="83" name="Google Shape;83;p16"/>
-          <p:cNvSpPr txBox="1"/>
-          <p:nvPr>
-            <p:ph type="title"/>
-          </p:nvPr>
-        </p:nvSpPr>
-        <p:spPr>
-          <a:xfrm>
-            <a:off x="311725" y="500925"/>
-            <a:ext cx="8520600" cy="623700"/>
-          </a:xfrm>
-          <a:prstGeom prst="rect">
-            <a:avLst/>
-          </a:prstGeom>
-        </p:spPr>
-        <p:txBody>
-          <a:bodyPr anchorCtr="0" anchor="t" bIns="91425" lIns="91425" spcFirstLastPara="1" rIns="91425" wrap="square" tIns="91425">
-            <a:normAutofit/>
-          </a:bodyPr>
-          <a:lstStyle/>
-          <a:p>
-            <a:pPr indent="0" lvl="0" marL="0" rtl="0" algn="l">
-              <a:spcBef>
-                <a:spcPts val="0"/>
-              </a:spcBef>
-              <a:spcAft>
-                <a:spcPts val="0"/>
-              </a:spcAft>
-              <a:buNone/>
-            </a:pPr>
-            <a:r>
-              <a:rPr lang="en"/>
-              <a:t>AI Demo</a:t>
-            </a:r>
-            <a:endParaRPr/>
-          </a:p>
-        </p:txBody>
-      </p:sp>
-      <p:pic>
-        <p:nvPicPr>
-          <p:cNvPr id="84" name="Google Shape;84;p16"/>
-          <p:cNvPicPr preferRelativeResize="0"/>
-          <p:nvPr/>
-        </p:nvPicPr>
-        <p:blipFill>
-          <a:blip r:embed="rId3">
-            <a:alphaModFix/>
-          </a:blip>
-          <a:stretch>
-            <a:fillRect/>
-          </a:stretch>
-        </p:blipFill>
-        <p:spPr>
-          <a:xfrm>
-            <a:off x="1239325" y="1242800"/>
-            <a:ext cx="6665350" cy="3900700"/>
           </a:xfrm>
           <a:prstGeom prst="rect">
             <a:avLst/>
@@ -8811,6 +9427,99 @@
         </p:blipFill>
         <p:spPr>
           <a:xfrm>
+            <a:off x="1239325" y="1242800"/>
+            <a:ext cx="6665350" cy="3900700"/>
+          </a:xfrm>
+          <a:prstGeom prst="rect">
+            <a:avLst/>
+          </a:prstGeom>
+          <a:noFill/>
+          <a:ln>
+            <a:noFill/>
+          </a:ln>
+        </p:spPr>
+      </p:pic>
+    </p:spTree>
+  </p:cSld>
+  <p:clrMapOvr>
+    <a:masterClrMapping/>
+  </p:clrMapOvr>
+</p:sld>
+</file>
+
+<file path=ppt/slides/slide6.xml><?xml version="1.0" encoding="utf-8"?>
+<p:sld xmlns:a="http://schemas.openxmlformats.org/drawingml/2006/main" xmlns:r="http://schemas.openxmlformats.org/officeDocument/2006/relationships" xmlns:mc="http://schemas.openxmlformats.org/markup-compatibility/2006" xmlns:mv="urn:schemas-microsoft-com:mac:vml" xmlns:p="http://schemas.openxmlformats.org/presentationml/2006/main" xmlns:c="http://schemas.openxmlformats.org/drawingml/2006/chart" xmlns:dgm="http://schemas.openxmlformats.org/drawingml/2006/diagram" xmlns:o="urn:schemas-microsoft-com:office:office" xmlns:v="urn:schemas-microsoft-com:vml" xmlns:pvml="urn:schemas-microsoft-com:office:powerpoint" xmlns:com="http://schemas.openxmlformats.org/drawingml/2006/compatibility" xmlns:p14="http://schemas.microsoft.com/office/powerpoint/2010/main" xmlns:p15="http://schemas.microsoft.com/office/powerpoint/2012/main" xmlns:ahyp="http://schemas.microsoft.com/office/drawing/2018/hyperlinkcolor">
+  <p:cSld>
+    <p:spTree>
+      <p:nvGrpSpPr>
+        <p:cNvPr id="94" name="Shape 94"/>
+        <p:cNvGrpSpPr/>
+        <p:nvPr/>
+      </p:nvGrpSpPr>
+      <p:grpSpPr>
+        <a:xfrm>
+          <a:off x="0" y="0"/>
+          <a:ext cx="0" cy="0"/>
+          <a:chOff x="0" y="0"/>
+          <a:chExt cx="0" cy="0"/>
+        </a:xfrm>
+      </p:grpSpPr>
+      <p:sp>
+        <p:nvSpPr>
+          <p:cNvPr id="95" name="Google Shape;95;p18"/>
+          <p:cNvSpPr txBox="1"/>
+          <p:nvPr>
+            <p:ph type="title"/>
+          </p:nvPr>
+        </p:nvSpPr>
+        <p:spPr>
+          <a:xfrm>
+            <a:off x="311725" y="500925"/>
+            <a:ext cx="8520600" cy="623700"/>
+          </a:xfrm>
+          <a:prstGeom prst="rect">
+            <a:avLst/>
+          </a:prstGeom>
+        </p:spPr>
+        <p:txBody>
+          <a:bodyPr anchorCtr="0" anchor="t" bIns="91425" lIns="91425" spcFirstLastPara="1" rIns="91425" wrap="square" tIns="91425">
+            <a:normAutofit/>
+          </a:bodyPr>
+          <a:lstStyle/>
+          <a:p>
+            <a:pPr indent="0" lvl="0" marL="0" rtl="0" algn="l">
+              <a:spcBef>
+                <a:spcPts val="0"/>
+              </a:spcBef>
+              <a:spcAft>
+                <a:spcPts val="0"/>
+              </a:spcAft>
+              <a:buNone/>
+            </a:pPr>
+            <a:r>
+              <a:rPr lang="en"/>
+              <a:t>AI Demo</a:t>
+            </a:r>
+            <a:endParaRPr/>
+          </a:p>
+        </p:txBody>
+      </p:sp>
+      <p:pic>
+        <p:nvPicPr>
+          <p:cNvPr id="96" name="Google Shape;96;p18"/>
+          <p:cNvPicPr preferRelativeResize="0"/>
+          <p:nvPr/>
+        </p:nvPicPr>
+        <p:blipFill>
+          <a:blip r:embed="rId3">
+            <a:alphaModFix/>
+          </a:blip>
+          <a:stretch>
+            <a:fillRect/>
+          </a:stretch>
+        </p:blipFill>
+        <p:spPr>
+          <a:xfrm>
             <a:off x="2156650" y="1260900"/>
             <a:ext cx="4830675" cy="1207669"/>
           </a:xfrm>
@@ -8825,7 +9534,7 @@
       </p:pic>
       <p:pic>
         <p:nvPicPr>
-          <p:cNvPr id="91" name="Google Shape;91;p17"/>
+          <p:cNvPr id="97" name="Google Shape;97;p18"/>
           <p:cNvPicPr preferRelativeResize="0"/>
           <p:nvPr/>
         </p:nvPicPr>
@@ -8853,7 +9562,7 @@
       </p:pic>
       <p:pic>
         <p:nvPicPr>
-          <p:cNvPr id="92" name="Google Shape;92;p17"/>
+          <p:cNvPr id="98" name="Google Shape;98;p18"/>
           <p:cNvPicPr preferRelativeResize="0"/>
           <p:nvPr/>
         </p:nvPicPr>
@@ -8887,12 +9596,12 @@
 </p:sld>
 </file>
 
-<file path=ppt/slides/slide6.xml><?xml version="1.0" encoding="utf-8"?>
+<file path=ppt/slides/slide7.xml><?xml version="1.0" encoding="utf-8"?>
 <p:sld xmlns:a="http://schemas.openxmlformats.org/drawingml/2006/main" xmlns:r="http://schemas.openxmlformats.org/officeDocument/2006/relationships" xmlns:mc="http://schemas.openxmlformats.org/markup-compatibility/2006" xmlns:mv="urn:schemas-microsoft-com:mac:vml" xmlns:p="http://schemas.openxmlformats.org/presentationml/2006/main" xmlns:c="http://schemas.openxmlformats.org/drawingml/2006/chart" xmlns:dgm="http://schemas.openxmlformats.org/drawingml/2006/diagram" xmlns:o="urn:schemas-microsoft-com:office:office" xmlns:v="urn:schemas-microsoft-com:vml" xmlns:pvml="urn:schemas-microsoft-com:office:powerpoint" xmlns:com="http://schemas.openxmlformats.org/drawingml/2006/compatibility" xmlns:p14="http://schemas.microsoft.com/office/powerpoint/2010/main" xmlns:p15="http://schemas.microsoft.com/office/powerpoint/2012/main" xmlns:ahyp="http://schemas.microsoft.com/office/drawing/2018/hyperlinkcolor">
   <p:cSld>
     <p:spTree>
       <p:nvGrpSpPr>
-        <p:cNvPr id="96" name="Shape 96"/>
+        <p:cNvPr id="102" name="Shape 102"/>
         <p:cNvGrpSpPr/>
         <p:nvPr/>
       </p:nvGrpSpPr>
@@ -8906,7 +9615,7 @@
       </p:grpSpPr>
       <p:sp>
         <p:nvSpPr>
-          <p:cNvPr id="97" name="Google Shape;97;p18"/>
+          <p:cNvPr id="103" name="Google Shape;103;p19"/>
           <p:cNvSpPr txBox="1"/>
           <p:nvPr>
             <p:ph type="title"/>
@@ -8946,7 +9655,7 @@
       </p:sp>
       <p:pic>
         <p:nvPicPr>
-          <p:cNvPr id="98" name="Google Shape;98;p18"/>
+          <p:cNvPr id="104" name="Google Shape;104;p19"/>
           <p:cNvPicPr preferRelativeResize="0"/>
           <p:nvPr/>
         </p:nvPicPr>
@@ -8974,7 +9683,7 @@
       </p:pic>
       <p:pic>
         <p:nvPicPr>
-          <p:cNvPr id="99" name="Google Shape;99;p18"/>
+          <p:cNvPr id="105" name="Google Shape;105;p19"/>
           <p:cNvPicPr preferRelativeResize="0"/>
           <p:nvPr/>
         </p:nvPicPr>
@@ -9008,12 +9717,12 @@
 </p:sld>
 </file>
 
-<file path=ppt/slides/slide7.xml><?xml version="1.0" encoding="utf-8"?>
+<file path=ppt/slides/slide8.xml><?xml version="1.0" encoding="utf-8"?>
 <p:sld xmlns:a="http://schemas.openxmlformats.org/drawingml/2006/main" xmlns:r="http://schemas.openxmlformats.org/officeDocument/2006/relationships" xmlns:mc="http://schemas.openxmlformats.org/markup-compatibility/2006" xmlns:mv="urn:schemas-microsoft-com:mac:vml" xmlns:p="http://schemas.openxmlformats.org/presentationml/2006/main" xmlns:c="http://schemas.openxmlformats.org/drawingml/2006/chart" xmlns:dgm="http://schemas.openxmlformats.org/drawingml/2006/diagram" xmlns:o="urn:schemas-microsoft-com:office:office" xmlns:v="urn:schemas-microsoft-com:vml" xmlns:pvml="urn:schemas-microsoft-com:office:powerpoint" xmlns:com="http://schemas.openxmlformats.org/drawingml/2006/compatibility" xmlns:p14="http://schemas.microsoft.com/office/powerpoint/2010/main" xmlns:p15="http://schemas.microsoft.com/office/powerpoint/2012/main" xmlns:ahyp="http://schemas.microsoft.com/office/drawing/2018/hyperlinkcolor">
   <p:cSld>
     <p:spTree>
       <p:nvGrpSpPr>
-        <p:cNvPr id="103" name="Shape 103"/>
+        <p:cNvPr id="109" name="Shape 109"/>
         <p:cNvGrpSpPr/>
         <p:nvPr/>
       </p:nvGrpSpPr>
@@ -9027,7 +9736,7 @@
       </p:grpSpPr>
       <p:sp>
         <p:nvSpPr>
-          <p:cNvPr id="104" name="Google Shape;104;p19"/>
+          <p:cNvPr id="110" name="Google Shape;110;p20"/>
           <p:cNvSpPr txBox="1"/>
           <p:nvPr>
             <p:ph type="title"/>
@@ -9067,7 +9776,7 @@
       </p:sp>
       <p:pic>
         <p:nvPicPr>
-          <p:cNvPr id="105" name="Google Shape;105;p19"/>
+          <p:cNvPr id="111" name="Google Shape;111;p20"/>
           <p:cNvPicPr preferRelativeResize="0"/>
           <p:nvPr/>
         </p:nvPicPr>
@@ -9095,7 +9804,7 @@
       </p:pic>
       <p:pic>
         <p:nvPicPr>
-          <p:cNvPr id="106" name="Google Shape;106;p19"/>
+          <p:cNvPr id="112" name="Google Shape;112;p20"/>
           <p:cNvPicPr preferRelativeResize="0"/>
           <p:nvPr/>
         </p:nvPicPr>
@@ -9129,389 +9838,6 @@
 </p:sld>
 </file>
 
-<file path=ppt/slides/slide8.xml><?xml version="1.0" encoding="utf-8"?>
-<p:sld xmlns:a="http://schemas.openxmlformats.org/drawingml/2006/main" xmlns:r="http://schemas.openxmlformats.org/officeDocument/2006/relationships" xmlns:mc="http://schemas.openxmlformats.org/markup-compatibility/2006" xmlns:mv="urn:schemas-microsoft-com:mac:vml" xmlns:p="http://schemas.openxmlformats.org/presentationml/2006/main" xmlns:c="http://schemas.openxmlformats.org/drawingml/2006/chart" xmlns:dgm="http://schemas.openxmlformats.org/drawingml/2006/diagram" xmlns:o="urn:schemas-microsoft-com:office:office" xmlns:v="urn:schemas-microsoft-com:vml" xmlns:pvml="urn:schemas-microsoft-com:office:powerpoint" xmlns:com="http://schemas.openxmlformats.org/drawingml/2006/compatibility" xmlns:p14="http://schemas.microsoft.com/office/powerpoint/2010/main" xmlns:p15="http://schemas.microsoft.com/office/powerpoint/2012/main" xmlns:ahyp="http://schemas.microsoft.com/office/drawing/2018/hyperlinkcolor">
-  <p:cSld>
-    <p:spTree>
-      <p:nvGrpSpPr>
-        <p:cNvPr id="110" name="Shape 110"/>
-        <p:cNvGrpSpPr/>
-        <p:nvPr/>
-      </p:nvGrpSpPr>
-      <p:grpSpPr>
-        <a:xfrm>
-          <a:off x="0" y="0"/>
-          <a:ext cx="0" cy="0"/>
-          <a:chOff x="0" y="0"/>
-          <a:chExt cx="0" cy="0"/>
-        </a:xfrm>
-      </p:grpSpPr>
-      <p:sp>
-        <p:nvSpPr>
-          <p:cNvPr id="111" name="Google Shape;111;p20"/>
-          <p:cNvSpPr txBox="1"/>
-          <p:nvPr>
-            <p:ph type="title"/>
-          </p:nvPr>
-        </p:nvSpPr>
-        <p:spPr>
-          <a:xfrm>
-            <a:off x="311725" y="500925"/>
-            <a:ext cx="3706500" cy="2508900"/>
-          </a:xfrm>
-          <a:prstGeom prst="rect">
-            <a:avLst/>
-          </a:prstGeom>
-        </p:spPr>
-        <p:txBody>
-          <a:bodyPr anchorCtr="0" anchor="t" bIns="91425" lIns="91425" spcFirstLastPara="1" rIns="91425" wrap="square" tIns="91425">
-            <a:normAutofit/>
-          </a:bodyPr>
-          <a:lstStyle/>
-          <a:p>
-            <a:pPr indent="0" lvl="0" marL="0" rtl="0" algn="l">
-              <a:spcBef>
-                <a:spcPts val="0"/>
-              </a:spcBef>
-              <a:spcAft>
-                <a:spcPts val="0"/>
-              </a:spcAft>
-              <a:buNone/>
-            </a:pPr>
-            <a:r>
-              <a:rPr lang="en"/>
-              <a:t>Problems</a:t>
-            </a:r>
-            <a:endParaRPr/>
-          </a:p>
-        </p:txBody>
-      </p:sp>
-      <p:sp>
-        <p:nvSpPr>
-          <p:cNvPr id="112" name="Google Shape;112;p20"/>
-          <p:cNvSpPr txBox="1"/>
-          <p:nvPr>
-            <p:ph idx="1" type="body"/>
-          </p:nvPr>
-        </p:nvSpPr>
-        <p:spPr>
-          <a:xfrm>
-            <a:off x="4644675" y="500925"/>
-            <a:ext cx="4166400" cy="4098600"/>
-          </a:xfrm>
-          <a:prstGeom prst="rect">
-            <a:avLst/>
-          </a:prstGeom>
-        </p:spPr>
-        <p:txBody>
-          <a:bodyPr anchorCtr="0" anchor="t" bIns="91425" lIns="91425" spcFirstLastPara="1" rIns="91425" wrap="square" tIns="91425">
-            <a:normAutofit/>
-          </a:bodyPr>
-          <a:lstStyle/>
-          <a:p>
-            <a:pPr indent="-349250" lvl="0" marL="457200" rtl="0" algn="l">
-              <a:spcBef>
-                <a:spcPts val="0"/>
-              </a:spcBef>
-              <a:spcAft>
-                <a:spcPts val="0"/>
-              </a:spcAft>
-              <a:buClr>
-                <a:srgbClr val="000000"/>
-              </a:buClr>
-              <a:buSzPts val="1900"/>
-              <a:buChar char="-"/>
-            </a:pPr>
-            <a:r>
-              <a:rPr lang="en" sz="1900">
-                <a:solidFill>
-                  <a:srgbClr val="000000"/>
-                </a:solidFill>
-              </a:rPr>
-              <a:t>Finding a decent and cost effective cloud host</a:t>
-            </a:r>
-            <a:endParaRPr sz="1900">
-              <a:solidFill>
-                <a:srgbClr val="000000"/>
-              </a:solidFill>
-            </a:endParaRPr>
-          </a:p>
-          <a:p>
-            <a:pPr indent="-336550" lvl="1" marL="914400" rtl="0" algn="l">
-              <a:spcBef>
-                <a:spcPts val="0"/>
-              </a:spcBef>
-              <a:spcAft>
-                <a:spcPts val="0"/>
-              </a:spcAft>
-              <a:buClr>
-                <a:srgbClr val="000000"/>
-              </a:buClr>
-              <a:buSzPts val="1700"/>
-              <a:buChar char="-"/>
-            </a:pPr>
-            <a:r>
-              <a:rPr lang="en" sz="1700">
-                <a:solidFill>
-                  <a:srgbClr val="000000"/>
-                </a:solidFill>
-              </a:rPr>
-              <a:t>Heroku</a:t>
-            </a:r>
-            <a:endParaRPr sz="1700">
-              <a:solidFill>
-                <a:srgbClr val="000000"/>
-              </a:solidFill>
-            </a:endParaRPr>
-          </a:p>
-          <a:p>
-            <a:pPr indent="-336550" lvl="1" marL="914400" rtl="0" algn="l">
-              <a:spcBef>
-                <a:spcPts val="0"/>
-              </a:spcBef>
-              <a:spcAft>
-                <a:spcPts val="0"/>
-              </a:spcAft>
-              <a:buClr>
-                <a:srgbClr val="000000"/>
-              </a:buClr>
-              <a:buSzPts val="1700"/>
-              <a:buChar char="-"/>
-            </a:pPr>
-            <a:r>
-              <a:rPr lang="en" sz="1700">
-                <a:solidFill>
-                  <a:srgbClr val="000000"/>
-                </a:solidFill>
-                <a:highlight>
-                  <a:srgbClr val="00FF00"/>
-                </a:highlight>
-              </a:rPr>
-              <a:t>DigitalOcean </a:t>
-            </a:r>
-            <a:endParaRPr sz="1700">
-              <a:solidFill>
-                <a:srgbClr val="000000"/>
-              </a:solidFill>
-              <a:highlight>
-                <a:srgbClr val="00FF00"/>
-              </a:highlight>
-            </a:endParaRPr>
-          </a:p>
-          <a:p>
-            <a:pPr indent="-336550" lvl="1" marL="914400" rtl="0" algn="l">
-              <a:spcBef>
-                <a:spcPts val="0"/>
-              </a:spcBef>
-              <a:spcAft>
-                <a:spcPts val="0"/>
-              </a:spcAft>
-              <a:buClr>
-                <a:srgbClr val="000000"/>
-              </a:buClr>
-              <a:buSzPts val="1700"/>
-              <a:buChar char="-"/>
-            </a:pPr>
-            <a:r>
-              <a:rPr lang="en" sz="1700">
-                <a:solidFill>
-                  <a:srgbClr val="000000"/>
-                </a:solidFill>
-              </a:rPr>
-              <a:t>Microsoft</a:t>
-            </a:r>
-            <a:r>
-              <a:rPr lang="en" sz="1700">
-                <a:solidFill>
-                  <a:srgbClr val="000000"/>
-                </a:solidFill>
-              </a:rPr>
-              <a:t> Azure</a:t>
-            </a:r>
-            <a:endParaRPr sz="1700">
-              <a:solidFill>
-                <a:srgbClr val="000000"/>
-              </a:solidFill>
-            </a:endParaRPr>
-          </a:p>
-          <a:p>
-            <a:pPr indent="-336550" lvl="1" marL="914400" rtl="0" algn="l">
-              <a:spcBef>
-                <a:spcPts val="0"/>
-              </a:spcBef>
-              <a:spcAft>
-                <a:spcPts val="0"/>
-              </a:spcAft>
-              <a:buClr>
-                <a:srgbClr val="000000"/>
-              </a:buClr>
-              <a:buSzPts val="1700"/>
-              <a:buChar char="-"/>
-            </a:pPr>
-            <a:r>
-              <a:rPr lang="en" sz="1700">
-                <a:solidFill>
-                  <a:srgbClr val="000000"/>
-                </a:solidFill>
-              </a:rPr>
-              <a:t>Sitegrounds</a:t>
-            </a:r>
-            <a:endParaRPr sz="1700">
-              <a:solidFill>
-                <a:srgbClr val="000000"/>
-              </a:solidFill>
-            </a:endParaRPr>
-          </a:p>
-          <a:p>
-            <a:pPr indent="-349250" lvl="0" marL="457200" rtl="0" algn="l">
-              <a:spcBef>
-                <a:spcPts val="0"/>
-              </a:spcBef>
-              <a:spcAft>
-                <a:spcPts val="0"/>
-              </a:spcAft>
-              <a:buClr>
-                <a:srgbClr val="000000"/>
-              </a:buClr>
-              <a:buSzPts val="1900"/>
-              <a:buChar char="-"/>
-            </a:pPr>
-            <a:r>
-              <a:rPr lang="en" sz="1900">
-                <a:solidFill>
-                  <a:srgbClr val="000000"/>
-                </a:solidFill>
-              </a:rPr>
-              <a:t>AI</a:t>
-            </a:r>
-            <a:endParaRPr sz="1900">
-              <a:solidFill>
-                <a:srgbClr val="000000"/>
-              </a:solidFill>
-            </a:endParaRPr>
-          </a:p>
-          <a:p>
-            <a:pPr indent="-336550" lvl="1" marL="914400" rtl="0" algn="l">
-              <a:spcBef>
-                <a:spcPts val="0"/>
-              </a:spcBef>
-              <a:spcAft>
-                <a:spcPts val="0"/>
-              </a:spcAft>
-              <a:buClr>
-                <a:srgbClr val="000000"/>
-              </a:buClr>
-              <a:buSzPts val="1700"/>
-              <a:buChar char="-"/>
-            </a:pPr>
-            <a:r>
-              <a:rPr lang="en" sz="1700">
-                <a:solidFill>
-                  <a:srgbClr val="000000"/>
-                </a:solidFill>
-              </a:rPr>
-              <a:t>Code required authentication</a:t>
-            </a:r>
-            <a:endParaRPr sz="1700">
-              <a:solidFill>
-                <a:srgbClr val="000000"/>
-              </a:solidFill>
-            </a:endParaRPr>
-          </a:p>
-          <a:p>
-            <a:pPr indent="-336550" lvl="2" marL="1371600" rtl="0" algn="l">
-              <a:spcBef>
-                <a:spcPts val="0"/>
-              </a:spcBef>
-              <a:spcAft>
-                <a:spcPts val="0"/>
-              </a:spcAft>
-              <a:buClr>
-                <a:srgbClr val="000000"/>
-              </a:buClr>
-              <a:buSzPts val="1700"/>
-              <a:buChar char="-"/>
-            </a:pPr>
-            <a:r>
-              <a:rPr lang="en" sz="1700">
-                <a:solidFill>
-                  <a:srgbClr val="000000"/>
-                </a:solidFill>
-              </a:rPr>
-              <a:t>Deepsploit</a:t>
-            </a:r>
-            <a:endParaRPr sz="1700">
-              <a:solidFill>
-                <a:srgbClr val="000000"/>
-              </a:solidFill>
-            </a:endParaRPr>
-          </a:p>
-          <a:p>
-            <a:pPr indent="-336550" lvl="2" marL="1371600" rtl="0" algn="l">
-              <a:spcBef>
-                <a:spcPts val="0"/>
-              </a:spcBef>
-              <a:spcAft>
-                <a:spcPts val="0"/>
-              </a:spcAft>
-              <a:buClr>
-                <a:srgbClr val="000000"/>
-              </a:buClr>
-              <a:buSzPts val="1700"/>
-              <a:buChar char="-"/>
-            </a:pPr>
-            <a:r>
-              <a:rPr lang="en" sz="1700">
-                <a:solidFill>
-                  <a:srgbClr val="000000"/>
-                </a:solidFill>
-              </a:rPr>
-              <a:t>Pymetasploit3</a:t>
-            </a:r>
-            <a:endParaRPr sz="1700">
-              <a:solidFill>
-                <a:srgbClr val="000000"/>
-              </a:solidFill>
-            </a:endParaRPr>
-          </a:p>
-          <a:p>
-            <a:pPr indent="-336550" lvl="1" marL="914400" rtl="0" algn="l">
-              <a:spcBef>
-                <a:spcPts val="0"/>
-              </a:spcBef>
-              <a:spcAft>
-                <a:spcPts val="0"/>
-              </a:spcAft>
-              <a:buClr>
-                <a:srgbClr val="000000"/>
-              </a:buClr>
-              <a:buSzPts val="1700"/>
-              <a:buChar char="-"/>
-            </a:pPr>
-            <a:r>
-              <a:rPr lang="en" sz="1700">
-                <a:solidFill>
-                  <a:srgbClr val="000000"/>
-                </a:solidFill>
-              </a:rPr>
-              <a:t>No I in AI</a:t>
-            </a:r>
-            <a:endParaRPr sz="1700">
-              <a:solidFill>
-                <a:srgbClr val="000000"/>
-              </a:solidFill>
-            </a:endParaRPr>
-          </a:p>
-        </p:txBody>
-      </p:sp>
-    </p:spTree>
-  </p:cSld>
-  <p:clrMapOvr>
-    <a:masterClrMapping/>
-  </p:clrMapOvr>
-</p:sld>
-</file>
-
 <file path=ppt/slides/slide9.xml><?xml version="1.0" encoding="utf-8"?>
 <p:sld xmlns:a="http://schemas.openxmlformats.org/drawingml/2006/main" xmlns:r="http://schemas.openxmlformats.org/officeDocument/2006/relationships" xmlns:mc="http://schemas.openxmlformats.org/markup-compatibility/2006" xmlns:mv="urn:schemas-microsoft-com:mac:vml" xmlns:p="http://schemas.openxmlformats.org/presentationml/2006/main" xmlns:c="http://schemas.openxmlformats.org/drawingml/2006/chart" xmlns:dgm="http://schemas.openxmlformats.org/drawingml/2006/diagram" xmlns:o="urn:schemas-microsoft-com:office:office" xmlns:v="urn:schemas-microsoft-com:vml" xmlns:pvml="urn:schemas-microsoft-com:office:powerpoint" xmlns:com="http://schemas.openxmlformats.org/drawingml/2006/compatibility" xmlns:p14="http://schemas.microsoft.com/office/powerpoint/2010/main" xmlns:p15="http://schemas.microsoft.com/office/powerpoint/2012/main" xmlns:ahyp="http://schemas.microsoft.com/office/drawing/2018/hyperlinkcolor">
   <p:cSld>
@@ -9534,323 +9860,6 @@
           <p:cNvPr id="117" name="Google Shape;117;p21"/>
           <p:cNvSpPr txBox="1"/>
           <p:nvPr>
-            <p:ph idx="1" type="body"/>
-          </p:nvPr>
-        </p:nvSpPr>
-        <p:spPr>
-          <a:xfrm>
-            <a:off x="4644675" y="500925"/>
-            <a:ext cx="4166400" cy="4098600"/>
-          </a:xfrm>
-          <a:prstGeom prst="rect">
-            <a:avLst/>
-          </a:prstGeom>
-        </p:spPr>
-        <p:txBody>
-          <a:bodyPr anchorCtr="0" anchor="t" bIns="91425" lIns="91425" spcFirstLastPara="1" rIns="91425" wrap="square" tIns="91425">
-            <a:normAutofit lnSpcReduction="20000"/>
-          </a:bodyPr>
-          <a:lstStyle/>
-          <a:p>
-            <a:pPr indent="0" lvl="0" marL="0" rtl="0" algn="l">
-              <a:spcBef>
-                <a:spcPts val="0"/>
-              </a:spcBef>
-              <a:spcAft>
-                <a:spcPts val="0"/>
-              </a:spcAft>
-              <a:buNone/>
-            </a:pPr>
-            <a:r>
-              <a:rPr b="1" lang="en">
-                <a:solidFill>
-                  <a:srgbClr val="000000"/>
-                </a:solidFill>
-              </a:rPr>
-              <a:t>Review Previous Sprint</a:t>
-            </a:r>
-            <a:endParaRPr b="1">
-              <a:solidFill>
-                <a:srgbClr val="000000"/>
-              </a:solidFill>
-            </a:endParaRPr>
-          </a:p>
-          <a:p>
-            <a:pPr indent="-317500" lvl="0" marL="457200" rtl="0" algn="l">
-              <a:spcBef>
-                <a:spcPts val="1200"/>
-              </a:spcBef>
-              <a:spcAft>
-                <a:spcPts val="0"/>
-              </a:spcAft>
-              <a:buClr>
-                <a:srgbClr val="000000"/>
-              </a:buClr>
-              <a:buSzPts val="1400"/>
-              <a:buChar char="-"/>
-            </a:pPr>
-            <a:r>
-              <a:rPr lang="en" sz="1400">
-                <a:solidFill>
-                  <a:srgbClr val="000000"/>
-                </a:solidFill>
-              </a:rPr>
-              <a:t>What worked well? What didn’t work well?</a:t>
-            </a:r>
-            <a:endParaRPr sz="1400">
-              <a:solidFill>
-                <a:srgbClr val="000000"/>
-              </a:solidFill>
-            </a:endParaRPr>
-          </a:p>
-          <a:p>
-            <a:pPr indent="-317500" lvl="0" marL="457200" rtl="0" algn="l">
-              <a:spcBef>
-                <a:spcPts val="0"/>
-              </a:spcBef>
-              <a:spcAft>
-                <a:spcPts val="0"/>
-              </a:spcAft>
-              <a:buClr>
-                <a:srgbClr val="000000"/>
-              </a:buClr>
-              <a:buSzPts val="1400"/>
-              <a:buChar char="-"/>
-            </a:pPr>
-            <a:r>
-              <a:rPr lang="en" sz="1400">
-                <a:solidFill>
-                  <a:srgbClr val="000000"/>
-                </a:solidFill>
-              </a:rPr>
-              <a:t>Process improvements?  </a:t>
-            </a:r>
-            <a:endParaRPr sz="1400">
-              <a:solidFill>
-                <a:srgbClr val="000000"/>
-              </a:solidFill>
-            </a:endParaRPr>
-          </a:p>
-          <a:p>
-            <a:pPr indent="-317500" lvl="0" marL="457200" rtl="0" algn="l">
-              <a:spcBef>
-                <a:spcPts val="0"/>
-              </a:spcBef>
-              <a:spcAft>
-                <a:spcPts val="0"/>
-              </a:spcAft>
-              <a:buClr>
-                <a:srgbClr val="000000"/>
-              </a:buClr>
-              <a:buSzPts val="1400"/>
-              <a:buChar char="-"/>
-            </a:pPr>
-            <a:r>
-              <a:rPr lang="en" sz="1400">
-                <a:solidFill>
-                  <a:srgbClr val="000000"/>
-                </a:solidFill>
-              </a:rPr>
-              <a:t>System Design improvements?</a:t>
-            </a:r>
-            <a:endParaRPr sz="1400">
-              <a:solidFill>
-                <a:srgbClr val="000000"/>
-              </a:solidFill>
-            </a:endParaRPr>
-          </a:p>
-          <a:p>
-            <a:pPr indent="0" lvl="0" marL="0" rtl="0" algn="l">
-              <a:spcBef>
-                <a:spcPts val="1200"/>
-              </a:spcBef>
-              <a:spcAft>
-                <a:spcPts val="0"/>
-              </a:spcAft>
-              <a:buNone/>
-            </a:pPr>
-            <a:r>
-              <a:rPr b="1" lang="en">
-                <a:solidFill>
-                  <a:srgbClr val="000000"/>
-                </a:solidFill>
-              </a:rPr>
-              <a:t>Connect Website front end to the Script Backend using digital ocean droplets</a:t>
-            </a:r>
-            <a:endParaRPr b="1">
-              <a:solidFill>
-                <a:srgbClr val="000000"/>
-              </a:solidFill>
-            </a:endParaRPr>
-          </a:p>
-          <a:p>
-            <a:pPr indent="0" lvl="0" marL="0" rtl="0" algn="l">
-              <a:spcBef>
-                <a:spcPts val="1200"/>
-              </a:spcBef>
-              <a:spcAft>
-                <a:spcPts val="0"/>
-              </a:spcAft>
-              <a:buNone/>
-            </a:pPr>
-            <a:r>
-              <a:rPr b="1" lang="en">
-                <a:solidFill>
-                  <a:srgbClr val="000000"/>
-                </a:solidFill>
-              </a:rPr>
-              <a:t>Touch Up Website</a:t>
-            </a:r>
-            <a:endParaRPr b="1">
-              <a:solidFill>
-                <a:srgbClr val="000000"/>
-              </a:solidFill>
-            </a:endParaRPr>
-          </a:p>
-          <a:p>
-            <a:pPr indent="0" lvl="0" marL="0" rtl="0" algn="l">
-              <a:spcBef>
-                <a:spcPts val="1200"/>
-              </a:spcBef>
-              <a:spcAft>
-                <a:spcPts val="0"/>
-              </a:spcAft>
-              <a:buNone/>
-            </a:pPr>
-            <a:r>
-              <a:rPr b="1" lang="en">
-                <a:solidFill>
-                  <a:srgbClr val="000000"/>
-                </a:solidFill>
-              </a:rPr>
-              <a:t>Refine Algorithm </a:t>
-            </a:r>
-            <a:endParaRPr b="1">
-              <a:solidFill>
-                <a:srgbClr val="000000"/>
-              </a:solidFill>
-            </a:endParaRPr>
-          </a:p>
-          <a:p>
-            <a:pPr indent="-317500" lvl="0" marL="457200" rtl="0" algn="l">
-              <a:spcBef>
-                <a:spcPts val="1200"/>
-              </a:spcBef>
-              <a:spcAft>
-                <a:spcPts val="0"/>
-              </a:spcAft>
-              <a:buClr>
-                <a:srgbClr val="000000"/>
-              </a:buClr>
-              <a:buSzPts val="1400"/>
-              <a:buChar char="-"/>
-            </a:pPr>
-            <a:r>
-              <a:rPr lang="en" sz="1400">
-                <a:solidFill>
-                  <a:srgbClr val="000000"/>
-                </a:solidFill>
-              </a:rPr>
-              <a:t>Exploitation</a:t>
-            </a:r>
-            <a:endParaRPr sz="1400">
-              <a:solidFill>
-                <a:srgbClr val="000000"/>
-              </a:solidFill>
-            </a:endParaRPr>
-          </a:p>
-          <a:p>
-            <a:pPr indent="-317500" lvl="0" marL="457200" rtl="0" algn="l">
-              <a:spcBef>
-                <a:spcPts val="0"/>
-              </a:spcBef>
-              <a:spcAft>
-                <a:spcPts val="0"/>
-              </a:spcAft>
-              <a:buClr>
-                <a:srgbClr val="000000"/>
-              </a:buClr>
-              <a:buSzPts val="1400"/>
-              <a:buChar char="-"/>
-            </a:pPr>
-            <a:r>
-              <a:rPr lang="en" sz="1400">
-                <a:solidFill>
-                  <a:srgbClr val="000000"/>
-                </a:solidFill>
-              </a:rPr>
-              <a:t>New modules</a:t>
-            </a:r>
-            <a:endParaRPr sz="1400">
-              <a:solidFill>
-                <a:srgbClr val="000000"/>
-              </a:solidFill>
-            </a:endParaRPr>
-          </a:p>
-          <a:p>
-            <a:pPr indent="0" lvl="0" marL="0" rtl="0" algn="l">
-              <a:spcBef>
-                <a:spcPts val="1200"/>
-              </a:spcBef>
-              <a:spcAft>
-                <a:spcPts val="0"/>
-              </a:spcAft>
-              <a:buNone/>
-            </a:pPr>
-            <a:r>
-              <a:t/>
-            </a:r>
-            <a:endParaRPr>
-              <a:solidFill>
-                <a:srgbClr val="000000"/>
-              </a:solidFill>
-            </a:endParaRPr>
-          </a:p>
-          <a:p>
-            <a:pPr indent="0" lvl="0" marL="0" rtl="0" algn="l">
-              <a:spcBef>
-                <a:spcPts val="1200"/>
-              </a:spcBef>
-              <a:spcAft>
-                <a:spcPts val="0"/>
-              </a:spcAft>
-              <a:buNone/>
-            </a:pPr>
-            <a:r>
-              <a:t/>
-            </a:r>
-            <a:endParaRPr>
-              <a:solidFill>
-                <a:srgbClr val="000000"/>
-              </a:solidFill>
-            </a:endParaRPr>
-          </a:p>
-          <a:p>
-            <a:pPr indent="0" lvl="0" marL="0" rtl="0" algn="l">
-              <a:spcBef>
-                <a:spcPts val="1200"/>
-              </a:spcBef>
-              <a:spcAft>
-                <a:spcPts val="1200"/>
-              </a:spcAft>
-              <a:buNone/>
-            </a:pPr>
-            <a:r>
-              <a:t/>
-            </a:r>
-            <a:endParaRPr>
-              <a:solidFill>
-                <a:srgbClr val="000000"/>
-              </a:solidFill>
-            </a:endParaRPr>
-          </a:p>
-        </p:txBody>
-      </p:sp>
-      <p:sp>
-        <p:nvSpPr>
-          <p:cNvPr id="118" name="Google Shape;118;p21"/>
-          <p:cNvSpPr txBox="1"/>
-          <p:nvPr>
             <p:ph type="title"/>
           </p:nvPr>
         </p:nvSpPr>
@@ -9880,40 +9889,330 @@
             </a:pPr>
             <a:r>
               <a:rPr lang="en"/>
-              <a:t>What’s Next?</a:t>
+              <a:t>Problems</a:t>
             </a:r>
             <a:endParaRPr/>
           </a:p>
         </p:txBody>
       </p:sp>
-      <p:pic>
-        <p:nvPicPr>
-          <p:cNvPr id="119" name="Google Shape;119;p21"/>
-          <p:cNvPicPr preferRelativeResize="0"/>
-          <p:nvPr/>
-        </p:nvPicPr>
-        <p:blipFill>
-          <a:blip r:embed="rId3">
-            <a:alphaModFix/>
-          </a:blip>
-          <a:stretch>
-            <a:fillRect/>
-          </a:stretch>
-        </p:blipFill>
+      <p:sp>
+        <p:nvSpPr>
+          <p:cNvPr id="118" name="Google Shape;118;p21"/>
+          <p:cNvSpPr txBox="1"/>
+          <p:nvPr>
+            <p:ph idx="1" type="body"/>
+          </p:nvPr>
+        </p:nvSpPr>
         <p:spPr>
           <a:xfrm>
-            <a:off x="6291400" y="2049575"/>
-            <a:ext cx="2689200" cy="2689200"/>
+            <a:off x="4644675" y="500925"/>
+            <a:ext cx="4166400" cy="4098600"/>
           </a:xfrm>
           <a:prstGeom prst="rect">
             <a:avLst/>
           </a:prstGeom>
-          <a:noFill/>
-          <a:ln>
-            <a:noFill/>
-          </a:ln>
         </p:spPr>
-      </p:pic>
+        <p:txBody>
+          <a:bodyPr anchorCtr="0" anchor="t" bIns="91425" lIns="91425" spcFirstLastPara="1" rIns="91425" wrap="square" tIns="91425">
+            <a:normAutofit/>
+          </a:bodyPr>
+          <a:lstStyle/>
+          <a:p>
+            <a:pPr indent="-349250" lvl="0" marL="457200" rtl="0" algn="l">
+              <a:spcBef>
+                <a:spcPts val="0"/>
+              </a:spcBef>
+              <a:spcAft>
+                <a:spcPts val="0"/>
+              </a:spcAft>
+              <a:buClr>
+                <a:srgbClr val="000000"/>
+              </a:buClr>
+              <a:buSzPts val="1900"/>
+              <a:buChar char="-"/>
+            </a:pPr>
+            <a:r>
+              <a:rPr lang="en" sz="1900">
+                <a:solidFill>
+                  <a:srgbClr val="000000"/>
+                </a:solidFill>
+              </a:rPr>
+              <a:t>Finding a decent and cost effective cloud host</a:t>
+            </a:r>
+            <a:endParaRPr sz="1900">
+              <a:solidFill>
+                <a:srgbClr val="000000"/>
+              </a:solidFill>
+            </a:endParaRPr>
+          </a:p>
+          <a:p>
+            <a:pPr indent="-336550" lvl="1" marL="914400" rtl="0" algn="l">
+              <a:spcBef>
+                <a:spcPts val="0"/>
+              </a:spcBef>
+              <a:spcAft>
+                <a:spcPts val="0"/>
+              </a:spcAft>
+              <a:buClr>
+                <a:srgbClr val="000000"/>
+              </a:buClr>
+              <a:buSzPts val="1700"/>
+              <a:buChar char="-"/>
+            </a:pPr>
+            <a:r>
+              <a:rPr lang="en" sz="1700">
+                <a:solidFill>
+                  <a:srgbClr val="000000"/>
+                </a:solidFill>
+              </a:rPr>
+              <a:t>Heroku</a:t>
+            </a:r>
+            <a:endParaRPr sz="1700">
+              <a:solidFill>
+                <a:srgbClr val="000000"/>
+              </a:solidFill>
+            </a:endParaRPr>
+          </a:p>
+          <a:p>
+            <a:pPr indent="-336550" lvl="1" marL="914400" rtl="0" algn="l">
+              <a:spcBef>
+                <a:spcPts val="0"/>
+              </a:spcBef>
+              <a:spcAft>
+                <a:spcPts val="0"/>
+              </a:spcAft>
+              <a:buClr>
+                <a:srgbClr val="000000"/>
+              </a:buClr>
+              <a:buSzPts val="1700"/>
+              <a:buChar char="-"/>
+            </a:pPr>
+            <a:r>
+              <a:rPr lang="en" sz="1700">
+                <a:solidFill>
+                  <a:srgbClr val="000000"/>
+                </a:solidFill>
+                <a:highlight>
+                  <a:srgbClr val="00FF00"/>
+                </a:highlight>
+              </a:rPr>
+              <a:t>DigitalOcean </a:t>
+            </a:r>
+            <a:endParaRPr sz="1700">
+              <a:solidFill>
+                <a:srgbClr val="000000"/>
+              </a:solidFill>
+              <a:highlight>
+                <a:srgbClr val="00FF00"/>
+              </a:highlight>
+            </a:endParaRPr>
+          </a:p>
+          <a:p>
+            <a:pPr indent="-336550" lvl="1" marL="914400" rtl="0" algn="l">
+              <a:spcBef>
+                <a:spcPts val="0"/>
+              </a:spcBef>
+              <a:spcAft>
+                <a:spcPts val="0"/>
+              </a:spcAft>
+              <a:buClr>
+                <a:srgbClr val="000000"/>
+              </a:buClr>
+              <a:buSzPts val="1700"/>
+              <a:buChar char="-"/>
+            </a:pPr>
+            <a:r>
+              <a:rPr lang="en" sz="1700">
+                <a:solidFill>
+                  <a:srgbClr val="000000"/>
+                </a:solidFill>
+              </a:rPr>
+              <a:t>Microsoft</a:t>
+            </a:r>
+            <a:r>
+              <a:rPr lang="en" sz="1700">
+                <a:solidFill>
+                  <a:srgbClr val="000000"/>
+                </a:solidFill>
+              </a:rPr>
+              <a:t> Azure</a:t>
+            </a:r>
+            <a:endParaRPr sz="1700">
+              <a:solidFill>
+                <a:srgbClr val="000000"/>
+              </a:solidFill>
+            </a:endParaRPr>
+          </a:p>
+          <a:p>
+            <a:pPr indent="-336550" lvl="1" marL="914400" rtl="0" algn="l">
+              <a:spcBef>
+                <a:spcPts val="0"/>
+              </a:spcBef>
+              <a:spcAft>
+                <a:spcPts val="0"/>
+              </a:spcAft>
+              <a:buClr>
+                <a:srgbClr val="000000"/>
+              </a:buClr>
+              <a:buSzPts val="1700"/>
+              <a:buChar char="-"/>
+            </a:pPr>
+            <a:r>
+              <a:rPr lang="en" sz="1700">
+                <a:solidFill>
+                  <a:srgbClr val="000000"/>
+                </a:solidFill>
+              </a:rPr>
+              <a:t>Sitegrounds</a:t>
+            </a:r>
+            <a:endParaRPr sz="1700">
+              <a:solidFill>
+                <a:srgbClr val="000000"/>
+              </a:solidFill>
+            </a:endParaRPr>
+          </a:p>
+          <a:p>
+            <a:pPr indent="-349250" lvl="0" marL="457200" rtl="0" algn="l">
+              <a:spcBef>
+                <a:spcPts val="0"/>
+              </a:spcBef>
+              <a:spcAft>
+                <a:spcPts val="0"/>
+              </a:spcAft>
+              <a:buClr>
+                <a:srgbClr val="000000"/>
+              </a:buClr>
+              <a:buSzPts val="1900"/>
+              <a:buChar char="-"/>
+            </a:pPr>
+            <a:r>
+              <a:rPr lang="en" sz="1900">
+                <a:solidFill>
+                  <a:srgbClr val="000000"/>
+                </a:solidFill>
+              </a:rPr>
+              <a:t>AI</a:t>
+            </a:r>
+            <a:endParaRPr sz="1900">
+              <a:solidFill>
+                <a:srgbClr val="000000"/>
+              </a:solidFill>
+            </a:endParaRPr>
+          </a:p>
+          <a:p>
+            <a:pPr indent="-336550" lvl="1" marL="914400" rtl="0" algn="l">
+              <a:spcBef>
+                <a:spcPts val="0"/>
+              </a:spcBef>
+              <a:spcAft>
+                <a:spcPts val="0"/>
+              </a:spcAft>
+              <a:buClr>
+                <a:srgbClr val="000000"/>
+              </a:buClr>
+              <a:buSzPts val="1700"/>
+              <a:buChar char="-"/>
+            </a:pPr>
+            <a:r>
+              <a:rPr lang="en" sz="1700">
+                <a:solidFill>
+                  <a:srgbClr val="000000"/>
+                </a:solidFill>
+              </a:rPr>
+              <a:t>Code required authentication</a:t>
+            </a:r>
+            <a:endParaRPr sz="1700">
+              <a:solidFill>
+                <a:srgbClr val="000000"/>
+              </a:solidFill>
+            </a:endParaRPr>
+          </a:p>
+          <a:p>
+            <a:pPr indent="-336550" lvl="2" marL="1371600" rtl="0" algn="l">
+              <a:spcBef>
+                <a:spcPts val="0"/>
+              </a:spcBef>
+              <a:spcAft>
+                <a:spcPts val="0"/>
+              </a:spcAft>
+              <a:buClr>
+                <a:srgbClr val="000000"/>
+              </a:buClr>
+              <a:buSzPts val="1700"/>
+              <a:buChar char="-"/>
+            </a:pPr>
+            <a:r>
+              <a:rPr lang="en" sz="1700">
+                <a:solidFill>
+                  <a:srgbClr val="000000"/>
+                </a:solidFill>
+              </a:rPr>
+              <a:t>Deepsploit</a:t>
+            </a:r>
+            <a:endParaRPr sz="1700">
+              <a:solidFill>
+                <a:srgbClr val="000000"/>
+              </a:solidFill>
+            </a:endParaRPr>
+          </a:p>
+          <a:p>
+            <a:pPr indent="-336550" lvl="2" marL="1371600" rtl="0" algn="l">
+              <a:spcBef>
+                <a:spcPts val="0"/>
+              </a:spcBef>
+              <a:spcAft>
+                <a:spcPts val="0"/>
+              </a:spcAft>
+              <a:buClr>
+                <a:srgbClr val="000000"/>
+              </a:buClr>
+              <a:buSzPts val="1700"/>
+              <a:buChar char="-"/>
+            </a:pPr>
+            <a:r>
+              <a:rPr lang="en" sz="1700">
+                <a:solidFill>
+                  <a:srgbClr val="000000"/>
+                </a:solidFill>
+              </a:rPr>
+              <a:t>Pymetasploit3</a:t>
+            </a:r>
+            <a:endParaRPr sz="1700">
+              <a:solidFill>
+                <a:srgbClr val="000000"/>
+              </a:solidFill>
+            </a:endParaRPr>
+          </a:p>
+          <a:p>
+            <a:pPr indent="-336550" lvl="1" marL="914400" rtl="0" algn="l">
+              <a:spcBef>
+                <a:spcPts val="0"/>
+              </a:spcBef>
+              <a:spcAft>
+                <a:spcPts val="0"/>
+              </a:spcAft>
+              <a:buClr>
+                <a:srgbClr val="000000"/>
+              </a:buClr>
+              <a:buSzPts val="1700"/>
+              <a:buChar char="-"/>
+            </a:pPr>
+            <a:r>
+              <a:rPr lang="en" sz="1700">
+                <a:solidFill>
+                  <a:srgbClr val="000000"/>
+                </a:solidFill>
+              </a:rPr>
+              <a:t>No I in AI</a:t>
+            </a:r>
+            <a:endParaRPr sz="1700">
+              <a:solidFill>
+                <a:srgbClr val="000000"/>
+              </a:solidFill>
+            </a:endParaRPr>
+          </a:p>
+        </p:txBody>
+      </p:sp>
     </p:spTree>
   </p:cSld>
   <p:clrMapOvr>
@@ -9923,6 +10222,285 @@
 </file>
 
 <file path=ppt/theme/theme1.xml><?xml version="1.0" encoding="utf-8"?>
+<a:theme xmlns:a="http://schemas.openxmlformats.org/drawingml/2006/main" xmlns:r="http://schemas.openxmlformats.org/officeDocument/2006/relationships">
+  <a:themeElements>
+    <a:clrScheme name="Default">
+      <a:dk1>
+        <a:srgbClr val="000000"/>
+      </a:dk1>
+      <a:lt1>
+        <a:srgbClr val="FFFFFF"/>
+      </a:lt1>
+      <a:dk2>
+        <a:srgbClr val="158158"/>
+      </a:dk2>
+      <a:lt2>
+        <a:srgbClr val="F3F3F3"/>
+      </a:lt2>
+      <a:accent1>
+        <a:srgbClr val="058DC7"/>
+      </a:accent1>
+      <a:accent2>
+        <a:srgbClr val="50B432"/>
+      </a:accent2>
+      <a:accent3>
+        <a:srgbClr val="ED561B"/>
+      </a:accent3>
+      <a:accent4>
+        <a:srgbClr val="EDEF00"/>
+      </a:accent4>
+      <a:accent5>
+        <a:srgbClr val="24CBE5"/>
+      </a:accent5>
+      <a:accent6>
+        <a:srgbClr val="64E572"/>
+      </a:accent6>
+      <a:hlink>
+        <a:srgbClr val="2200CC"/>
+      </a:hlink>
+      <a:folHlink>
+        <a:srgbClr val="551A8B"/>
+      </a:folHlink>
+    </a:clrScheme>
+    <a:fontScheme name="Office">
+      <a:majorFont>
+        <a:latin typeface="Arial"/>
+        <a:ea typeface=""/>
+        <a:cs typeface=""/>
+        <a:font script="Jpan" typeface="ＭＳ Ｐゴシック"/>
+        <a:font script="Hang" typeface="맑은 고딕"/>
+        <a:font script="Hans" typeface="宋体"/>
+        <a:font script="Hant" typeface="新細明體"/>
+        <a:font script="Arab" typeface="Times New Roman"/>
+        <a:font script="Hebr" typeface="Times New Roman"/>
+        <a:font script="Thai" typeface="Angsana New"/>
+        <a:font script="Ethi" typeface="Nyala"/>
+        <a:font script="Beng" typeface="Vrinda"/>
+        <a:font script="Gujr" typeface="Shruti"/>
+        <a:font script="Khmr" typeface="MoolBoran"/>
+        <a:font script="Knda" typeface="Tunga"/>
+        <a:font script="Guru" typeface="Raavi"/>
+        <a:font script="Cans" typeface="Euphemia"/>
+        <a:font script="Cher" typeface="Plantagenet Cherokee"/>
+        <a:font script="Yiii" typeface="Microsoft Yi Baiti"/>
+        <a:font script="Tibt" typeface="Microsoft Himalaya"/>
+        <a:font script="Thaa" typeface="MV Boli"/>
+        <a:font script="Deva" typeface="Mangal"/>
+        <a:font script="Telu" typeface="Gautami"/>
+        <a:font script="Taml" typeface="Latha"/>
+        <a:font script="Syrc" typeface="Estrangelo Edessa"/>
+        <a:font script="Orya" typeface="Kalinga"/>
+        <a:font script="Mlym" typeface="Kartika"/>
+        <a:font script="Laoo" typeface="DokChampa"/>
+        <a:font script="Sinh" typeface="Iskoola Pota"/>
+        <a:font script="Mong" typeface="Mongolian Baiti"/>
+        <a:font script="Viet" typeface="Times New Roman"/>
+        <a:font script="Uigh" typeface="Microsoft Uighur"/>
+        <a:font script="Geor" typeface="Sylfaen"/>
+      </a:majorFont>
+      <a:minorFont>
+        <a:latin typeface="Arial"/>
+        <a:ea typeface=""/>
+        <a:cs typeface=""/>
+        <a:font script="Jpan" typeface="ＭＳ Ｐゴシック"/>
+        <a:font script="Hang" typeface="맑은 고딕"/>
+        <a:font script="Hans" typeface="宋体"/>
+        <a:font script="Hant" typeface="新細明體"/>
+        <a:font script="Arab" typeface="Arial"/>
+        <a:font script="Hebr" typeface="Arial"/>
+        <a:font script="Thai" typeface="Cordia New"/>
+        <a:font script="Ethi" typeface="Nyala"/>
+        <a:font script="Beng" typeface="Vrinda"/>
+        <a:font script="Gujr" typeface="Shruti"/>
+        <a:font script="Khmr" typeface="DaunPenh"/>
+        <a:font script="Knda" typeface="Tunga"/>
+        <a:font script="Guru" typeface="Raavi"/>
+        <a:font script="Cans" typeface="Euphemia"/>
+        <a:font script="Cher" typeface="Plantagenet Cherokee"/>
+        <a:font script="Yiii" typeface="Microsoft Yi Baiti"/>
+        <a:font script="Tibt" typeface="Microsoft Himalaya"/>
+        <a:font script="Thaa" typeface="MV Boli"/>
+        <a:font script="Deva" typeface="Mangal"/>
+        <a:font script="Telu" typeface="Gautami"/>
+        <a:font script="Taml" typeface="Latha"/>
+        <a:font script="Syrc" typeface="Estrangelo Edessa"/>
+        <a:font script="Orya" typeface="Kalinga"/>
+        <a:font script="Mlym" typeface="Kartika"/>
+        <a:font script="Laoo" typeface="DokChampa"/>
+        <a:font script="Sinh" typeface="Iskoola Pota"/>
+        <a:font script="Mong" typeface="Mongolian Baiti"/>
+        <a:font script="Viet" typeface="Arial"/>
+        <a:font script="Uigh" typeface="Microsoft Uighur"/>
+        <a:font script="Geor" typeface="Sylfaen"/>
+      </a:minorFont>
+    </a:fontScheme>
+    <a:fmtScheme name="Office">
+      <a:fillStyleLst>
+        <a:solidFill>
+          <a:schemeClr val="phClr"/>
+        </a:solidFill>
+        <a:gradFill rotWithShape="1">
+          <a:gsLst>
+            <a:gs pos="0">
+              <a:schemeClr val="phClr">
+                <a:tint val="50000"/>
+                <a:satMod val="300000"/>
+              </a:schemeClr>
+            </a:gs>
+            <a:gs pos="35000">
+              <a:schemeClr val="phClr">
+                <a:tint val="37000"/>
+                <a:satMod val="300000"/>
+              </a:schemeClr>
+            </a:gs>
+            <a:gs pos="100000">
+              <a:schemeClr val="phClr">
+                <a:tint val="15000"/>
+                <a:satMod val="350000"/>
+              </a:schemeClr>
+            </a:gs>
+          </a:gsLst>
+          <a:lin ang="16200000" scaled="1"/>
+        </a:gradFill>
+        <a:gradFill rotWithShape="1">
+          <a:gsLst>
+            <a:gs pos="0">
+              <a:schemeClr val="phClr">
+                <a:tint val="100000"/>
+                <a:shade val="100000"/>
+                <a:satMod val="130000"/>
+              </a:schemeClr>
+            </a:gs>
+            <a:gs pos="100000">
+              <a:schemeClr val="phClr">
+                <a:tint val="50000"/>
+                <a:shade val="100000"/>
+                <a:satMod val="350000"/>
+              </a:schemeClr>
+            </a:gs>
+          </a:gsLst>
+          <a:lin ang="16200000" scaled="0"/>
+        </a:gradFill>
+      </a:fillStyleLst>
+      <a:lnStyleLst>
+        <a:ln w="9525" cap="flat" cmpd="sng" algn="ctr">
+          <a:solidFill>
+            <a:schemeClr val="phClr">
+              <a:shade val="95000"/>
+              <a:satMod val="105000"/>
+            </a:schemeClr>
+          </a:solidFill>
+          <a:prstDash val="solid"/>
+        </a:ln>
+        <a:ln w="25400" cap="flat" cmpd="sng" algn="ctr">
+          <a:solidFill>
+            <a:schemeClr val="phClr"/>
+          </a:solidFill>
+          <a:prstDash val="solid"/>
+        </a:ln>
+        <a:ln w="38100" cap="flat" cmpd="sng" algn="ctr">
+          <a:solidFill>
+            <a:schemeClr val="phClr"/>
+          </a:solidFill>
+          <a:prstDash val="solid"/>
+        </a:ln>
+      </a:lnStyleLst>
+      <a:effectStyleLst>
+        <a:effectStyle>
+          <a:effectLst>
+            <a:outerShdw blurRad="40000" dist="20000" dir="5400000" rotWithShape="0">
+              <a:srgbClr val="000000">
+                <a:alpha val="38000"/>
+              </a:srgbClr>
+            </a:outerShdw>
+          </a:effectLst>
+        </a:effectStyle>
+        <a:effectStyle>
+          <a:effectLst>
+            <a:outerShdw blurRad="40000" dist="23000" dir="5400000" rotWithShape="0">
+              <a:srgbClr val="000000">
+                <a:alpha val="35000"/>
+              </a:srgbClr>
+            </a:outerShdw>
+          </a:effectLst>
+        </a:effectStyle>
+        <a:effectStyle>
+          <a:effectLst>
+            <a:outerShdw blurRad="40000" dist="23000" dir="5400000" rotWithShape="0">
+              <a:srgbClr val="000000">
+                <a:alpha val="35000"/>
+              </a:srgbClr>
+            </a:outerShdw>
+          </a:effectLst>
+          <a:scene3d>
+            <a:camera prst="orthographicFront">
+              <a:rot lat="0" lon="0" rev="0"/>
+            </a:camera>
+            <a:lightRig rig="threePt" dir="t">
+              <a:rot lat="0" lon="0" rev="1200000"/>
+            </a:lightRig>
+          </a:scene3d>
+          <a:sp3d>
+            <a:bevelT w="63500" h="25400"/>
+          </a:sp3d>
+        </a:effectStyle>
+      </a:effectStyleLst>
+      <a:bgFillStyleLst>
+        <a:solidFill>
+          <a:schemeClr val="phClr"/>
+        </a:solidFill>
+        <a:gradFill rotWithShape="1">
+          <a:gsLst>
+            <a:gs pos="0">
+              <a:schemeClr val="phClr">
+                <a:tint val="40000"/>
+                <a:satMod val="350000"/>
+              </a:schemeClr>
+            </a:gs>
+            <a:gs pos="40000">
+              <a:schemeClr val="phClr">
+                <a:tint val="45000"/>
+                <a:shade val="99000"/>
+                <a:satMod val="350000"/>
+              </a:schemeClr>
+            </a:gs>
+            <a:gs pos="100000">
+              <a:schemeClr val="phClr">
+                <a:shade val="20000"/>
+                <a:satMod val="255000"/>
+              </a:schemeClr>
+            </a:gs>
+          </a:gsLst>
+          <a:path path="circle">
+            <a:fillToRect l="50000" t="-80000" r="50000" b="180000"/>
+          </a:path>
+        </a:gradFill>
+        <a:gradFill rotWithShape="1">
+          <a:gsLst>
+            <a:gs pos="0">
+              <a:schemeClr val="phClr">
+                <a:tint val="80000"/>
+                <a:satMod val="300000"/>
+              </a:schemeClr>
+            </a:gs>
+            <a:gs pos="100000">
+              <a:schemeClr val="phClr">
+                <a:shade val="30000"/>
+                <a:satMod val="200000"/>
+              </a:schemeClr>
+            </a:gs>
+          </a:gsLst>
+          <a:path path="circle">
+            <a:fillToRect l="50000" t="50000" r="50000" b="50000"/>
+          </a:path>
+        </a:gradFill>
+      </a:bgFillStyleLst>
+    </a:fmtScheme>
+  </a:themeElements>
+</a:theme>
+</file>
+
+<file path=ppt/theme/theme2.xml><?xml version="1.0" encoding="utf-8"?>
 <a:theme xmlns:a="http://schemas.openxmlformats.org/drawingml/2006/main" xmlns:r="http://schemas.openxmlformats.org/officeDocument/2006/relationships" name="Paradigm">
   <a:themeElements>
     <a:clrScheme name="Paradigm">
@@ -10199,283 +10777,4 @@
     </a:fmtScheme>
   </a:themeElements>
 </a:theme>
-</file>
-
-<file path=ppt/theme/theme2.xml><?xml version="1.0" encoding="utf-8"?>
-<a:theme xmlns:a="http://schemas.openxmlformats.org/drawingml/2006/main" xmlns:r="http://schemas.openxmlformats.org/officeDocument/2006/relationships">
-  <a:themeElements>
-    <a:clrScheme name="Default">
-      <a:dk1>
-        <a:srgbClr val="000000"/>
-      </a:dk1>
-      <a:lt1>
-        <a:srgbClr val="FFFFFF"/>
-      </a:lt1>
-      <a:dk2>
-        <a:srgbClr val="158158"/>
-      </a:dk2>
-      <a:lt2>
-        <a:srgbClr val="F3F3F3"/>
-      </a:lt2>
-      <a:accent1>
-        <a:srgbClr val="058DC7"/>
-      </a:accent1>
-      <a:accent2>
-        <a:srgbClr val="50B432"/>
-      </a:accent2>
-      <a:accent3>
-        <a:srgbClr val="ED561B"/>
-      </a:accent3>
-      <a:accent4>
-        <a:srgbClr val="EDEF00"/>
-      </a:accent4>
-      <a:accent5>
-        <a:srgbClr val="24CBE5"/>
-      </a:accent5>
-      <a:accent6>
-        <a:srgbClr val="64E572"/>
-      </a:accent6>
-      <a:hlink>
-        <a:srgbClr val="2200CC"/>
-      </a:hlink>
-      <a:folHlink>
-        <a:srgbClr val="551A8B"/>
-      </a:folHlink>
-    </a:clrScheme>
-    <a:fontScheme name="Office">
-      <a:majorFont>
-        <a:latin typeface="Arial"/>
-        <a:ea typeface=""/>
-        <a:cs typeface=""/>
-        <a:font script="Jpan" typeface="ＭＳ Ｐゴシック"/>
-        <a:font script="Hang" typeface="맑은 고딕"/>
-        <a:font script="Hans" typeface="宋体"/>
-        <a:font script="Hant" typeface="新細明體"/>
-        <a:font script="Arab" typeface="Times New Roman"/>
-        <a:font script="Hebr" typeface="Times New Roman"/>
-        <a:font script="Thai" typeface="Angsana New"/>
-        <a:font script="Ethi" typeface="Nyala"/>
-        <a:font script="Beng" typeface="Vrinda"/>
-        <a:font script="Gujr" typeface="Shruti"/>
-        <a:font script="Khmr" typeface="MoolBoran"/>
-        <a:font script="Knda" typeface="Tunga"/>
-        <a:font script="Guru" typeface="Raavi"/>
-        <a:font script="Cans" typeface="Euphemia"/>
-        <a:font script="Cher" typeface="Plantagenet Cherokee"/>
-        <a:font script="Yiii" typeface="Microsoft Yi Baiti"/>
-        <a:font script="Tibt" typeface="Microsoft Himalaya"/>
-        <a:font script="Thaa" typeface="MV Boli"/>
-        <a:font script="Deva" typeface="Mangal"/>
-        <a:font script="Telu" typeface="Gautami"/>
-        <a:font script="Taml" typeface="Latha"/>
-        <a:font script="Syrc" typeface="Estrangelo Edessa"/>
-        <a:font script="Orya" typeface="Kalinga"/>
-        <a:font script="Mlym" typeface="Kartika"/>
-        <a:font script="Laoo" typeface="DokChampa"/>
-        <a:font script="Sinh" typeface="Iskoola Pota"/>
-        <a:font script="Mong" typeface="Mongolian Baiti"/>
-        <a:font script="Viet" typeface="Times New Roman"/>
-        <a:font script="Uigh" typeface="Microsoft Uighur"/>
-        <a:font script="Geor" typeface="Sylfaen"/>
-      </a:majorFont>
-      <a:minorFont>
-        <a:latin typeface="Arial"/>
-        <a:ea typeface=""/>
-        <a:cs typeface=""/>
-        <a:font script="Jpan" typeface="ＭＳ Ｐゴシック"/>
-        <a:font script="Hang" typeface="맑은 고딕"/>
-        <a:font script="Hans" typeface="宋体"/>
-        <a:font script="Hant" typeface="新細明體"/>
-        <a:font script="Arab" typeface="Arial"/>
-        <a:font script="Hebr" typeface="Arial"/>
-        <a:font script="Thai" typeface="Cordia New"/>
-        <a:font script="Ethi" typeface="Nyala"/>
-        <a:font script="Beng" typeface="Vrinda"/>
-        <a:font script="Gujr" typeface="Shruti"/>
-        <a:font script="Khmr" typeface="DaunPenh"/>
-        <a:font script="Knda" typeface="Tunga"/>
-        <a:font script="Guru" typeface="Raavi"/>
-        <a:font script="Cans" typeface="Euphemia"/>
-        <a:font script="Cher" typeface="Plantagenet Cherokee"/>
-        <a:font script="Yiii" typeface="Microsoft Yi Baiti"/>
-        <a:font script="Tibt" typeface="Microsoft Himalaya"/>
-        <a:font script="Thaa" typeface="MV Boli"/>
-        <a:font script="Deva" typeface="Mangal"/>
-        <a:font script="Telu" typeface="Gautami"/>
-        <a:font script="Taml" typeface="Latha"/>
-        <a:font script="Syrc" typeface="Estrangelo Edessa"/>
-        <a:font script="Orya" typeface="Kalinga"/>
-        <a:font script="Mlym" typeface="Kartika"/>
-        <a:font script="Laoo" typeface="DokChampa"/>
-        <a:font script="Sinh" typeface="Iskoola Pota"/>
-        <a:font script="Mong" typeface="Mongolian Baiti"/>
-        <a:font script="Viet" typeface="Arial"/>
-        <a:font script="Uigh" typeface="Microsoft Uighur"/>
-        <a:font script="Geor" typeface="Sylfaen"/>
-      </a:minorFont>
-    </a:fontScheme>
-    <a:fmtScheme name="Office">
-      <a:fillStyleLst>
-        <a:solidFill>
-          <a:schemeClr val="phClr"/>
-        </a:solidFill>
-        <a:gradFill rotWithShape="1">
-          <a:gsLst>
-            <a:gs pos="0">
-              <a:schemeClr val="phClr">
-                <a:tint val="50000"/>
-                <a:satMod val="300000"/>
-              </a:schemeClr>
-            </a:gs>
-            <a:gs pos="35000">
-              <a:schemeClr val="phClr">
-                <a:tint val="37000"/>
-                <a:satMod val="300000"/>
-              </a:schemeClr>
-            </a:gs>
-            <a:gs pos="100000">
-              <a:schemeClr val="phClr">
-                <a:tint val="15000"/>
-                <a:satMod val="350000"/>
-              </a:schemeClr>
-            </a:gs>
-          </a:gsLst>
-          <a:lin ang="16200000" scaled="1"/>
-        </a:gradFill>
-        <a:gradFill rotWithShape="1">
-          <a:gsLst>
-            <a:gs pos="0">
-              <a:schemeClr val="phClr">
-                <a:tint val="100000"/>
-                <a:shade val="100000"/>
-                <a:satMod val="130000"/>
-              </a:schemeClr>
-            </a:gs>
-            <a:gs pos="100000">
-              <a:schemeClr val="phClr">
-                <a:tint val="50000"/>
-                <a:shade val="100000"/>
-                <a:satMod val="350000"/>
-              </a:schemeClr>
-            </a:gs>
-          </a:gsLst>
-          <a:lin ang="16200000" scaled="0"/>
-        </a:gradFill>
-      </a:fillStyleLst>
-      <a:lnStyleLst>
-        <a:ln w="9525" cap="flat" cmpd="sng" algn="ctr">
-          <a:solidFill>
-            <a:schemeClr val="phClr">
-              <a:shade val="95000"/>
-              <a:satMod val="105000"/>
-            </a:schemeClr>
-          </a:solidFill>
-          <a:prstDash val="solid"/>
-        </a:ln>
-        <a:ln w="25400" cap="flat" cmpd="sng" algn="ctr">
-          <a:solidFill>
-            <a:schemeClr val="phClr"/>
-          </a:solidFill>
-          <a:prstDash val="solid"/>
-        </a:ln>
-        <a:ln w="38100" cap="flat" cmpd="sng" algn="ctr">
-          <a:solidFill>
-            <a:schemeClr val="phClr"/>
-          </a:solidFill>
-          <a:prstDash val="solid"/>
-        </a:ln>
-      </a:lnStyleLst>
-      <a:effectStyleLst>
-        <a:effectStyle>
-          <a:effectLst>
-            <a:outerShdw blurRad="40000" dist="20000" dir="5400000" rotWithShape="0">
-              <a:srgbClr val="000000">
-                <a:alpha val="38000"/>
-              </a:srgbClr>
-            </a:outerShdw>
-          </a:effectLst>
-        </a:effectStyle>
-        <a:effectStyle>
-          <a:effectLst>
-            <a:outerShdw blurRad="40000" dist="23000" dir="5400000" rotWithShape="0">
-              <a:srgbClr val="000000">
-                <a:alpha val="35000"/>
-              </a:srgbClr>
-            </a:outerShdw>
-          </a:effectLst>
-        </a:effectStyle>
-        <a:effectStyle>
-          <a:effectLst>
-            <a:outerShdw blurRad="40000" dist="23000" dir="5400000" rotWithShape="0">
-              <a:srgbClr val="000000">
-                <a:alpha val="35000"/>
-              </a:srgbClr>
-            </a:outerShdw>
-          </a:effectLst>
-          <a:scene3d>
-            <a:camera prst="orthographicFront">
-              <a:rot lat="0" lon="0" rev="0"/>
-            </a:camera>
-            <a:lightRig rig="threePt" dir="t">
-              <a:rot lat="0" lon="0" rev="1200000"/>
-            </a:lightRig>
-          </a:scene3d>
-          <a:sp3d>
-            <a:bevelT w="63500" h="25400"/>
-          </a:sp3d>
-        </a:effectStyle>
-      </a:effectStyleLst>
-      <a:bgFillStyleLst>
-        <a:solidFill>
-          <a:schemeClr val="phClr"/>
-        </a:solidFill>
-        <a:gradFill rotWithShape="1">
-          <a:gsLst>
-            <a:gs pos="0">
-              <a:schemeClr val="phClr">
-                <a:tint val="40000"/>
-                <a:satMod val="350000"/>
-              </a:schemeClr>
-            </a:gs>
-            <a:gs pos="40000">
-              <a:schemeClr val="phClr">
-                <a:tint val="45000"/>
-                <a:shade val="99000"/>
-                <a:satMod val="350000"/>
-              </a:schemeClr>
-            </a:gs>
-            <a:gs pos="100000">
-              <a:schemeClr val="phClr">
-                <a:shade val="20000"/>
-                <a:satMod val="255000"/>
-              </a:schemeClr>
-            </a:gs>
-          </a:gsLst>
-          <a:path path="circle">
-            <a:fillToRect l="50000" t="-80000" r="50000" b="180000"/>
-          </a:path>
-        </a:gradFill>
-        <a:gradFill rotWithShape="1">
-          <a:gsLst>
-            <a:gs pos="0">
-              <a:schemeClr val="phClr">
-                <a:tint val="80000"/>
-                <a:satMod val="300000"/>
-              </a:schemeClr>
-            </a:gs>
-            <a:gs pos="100000">
-              <a:schemeClr val="phClr">
-                <a:shade val="30000"/>
-                <a:satMod val="200000"/>
-              </a:schemeClr>
-            </a:gs>
-          </a:gsLst>
-          <a:path path="circle">
-            <a:fillToRect l="50000" t="50000" r="50000" b="50000"/>
-          </a:path>
-        </a:gradFill>
-      </a:bgFillStyleLst>
-    </a:fmtScheme>
-  </a:themeElements>
-</a:theme>
 </file>